--- a/Apresentacao/PG.pptx
+++ b/Apresentacao/PG.pptx
@@ -16137,8 +16137,8 @@
   <dgm:cxnLst>
     <dgm:cxn modelId="{ACA3B6AF-E267-42DB-98D7-AE383419087A}" srcId="{DE931A7F-3D80-454E-8EE2-FADC895EF8B6}" destId="{B83734B2-504C-452C-96F0-58FAE2E0F75B}" srcOrd="0" destOrd="0" parTransId="{9B00D6EA-7A1F-4564-808C-C2A2F4589FFB}" sibTransId="{68EE7165-85AB-4401-BF3F-754F6DD1DEF5}"/>
     <dgm:cxn modelId="{3C2AE810-4C5C-415B-AAF6-4A7341B6F3E3}" srcId="{DD133CF9-4C3B-4014-89A8-8541FA75D710}" destId="{DE931A7F-3D80-454E-8EE2-FADC895EF8B6}" srcOrd="0" destOrd="0" parTransId="{EA91AC22-0763-42D2-B5E8-60A020B5F78E}" sibTransId="{AC345851-53AC-451D-8FBB-CC75B34ECD48}"/>
+    <dgm:cxn modelId="{301081B1-11B0-4D69-AA8C-6B3CA14E6081}" type="presOf" srcId="{DE931A7F-3D80-454E-8EE2-FADC895EF8B6}" destId="{3BDA1A5A-6E70-42FF-9B96-2A768E2D3835}" srcOrd="0" destOrd="0" presId="urn:microsoft.com/office/officeart/2005/8/layout/lProcess3"/>
     <dgm:cxn modelId="{23F9F2B6-2022-4433-ABC2-0E298664D861}" type="presOf" srcId="{DD133CF9-4C3B-4014-89A8-8541FA75D710}" destId="{D180DFA3-4926-459B-8AFB-933A1CB93C64}" srcOrd="0" destOrd="0" presId="urn:microsoft.com/office/officeart/2005/8/layout/lProcess3"/>
-    <dgm:cxn modelId="{301081B1-11B0-4D69-AA8C-6B3CA14E6081}" type="presOf" srcId="{DE931A7F-3D80-454E-8EE2-FADC895EF8B6}" destId="{3BDA1A5A-6E70-42FF-9B96-2A768E2D3835}" srcOrd="0" destOrd="0" presId="urn:microsoft.com/office/officeart/2005/8/layout/lProcess3"/>
     <dgm:cxn modelId="{8201F03D-D9A0-497F-AC74-4EAE1EFB0A50}" type="presOf" srcId="{B83734B2-504C-452C-96F0-58FAE2E0F75B}" destId="{DCBC4AA7-5B34-4058-8DCE-45073067BFBC}" srcOrd="0" destOrd="0" presId="urn:microsoft.com/office/officeart/2005/8/layout/lProcess3"/>
     <dgm:cxn modelId="{7E980B3A-BFF6-4C3A-B1BD-29D11A8A4521}" type="presParOf" srcId="{D180DFA3-4926-459B-8AFB-933A1CB93C64}" destId="{E2B0CA2C-7A4B-44E3-B4BA-96029813CE3B}" srcOrd="0" destOrd="0" presId="urn:microsoft.com/office/officeart/2005/8/layout/lProcess3"/>
     <dgm:cxn modelId="{C4EEED63-8006-4EA5-98C5-95ADA5D2B3F9}" type="presParOf" srcId="{E2B0CA2C-7A4B-44E3-B4BA-96029813CE3B}" destId="{3BDA1A5A-6E70-42FF-9B96-2A768E2D3835}" srcOrd="0" destOrd="0" presId="urn:microsoft.com/office/officeart/2005/8/layout/lProcess3"/>
@@ -16408,271 +16408,6 @@
       <dsp:cNvGrpSpPr/>
     </dsp:nvGrpSpPr>
     <dsp:grpSpPr/>
-    <dsp:sp modelId="{3BDA1A5A-6E70-42FF-9B96-2A768E2D3835}">
-      <dsp:nvSpPr>
-        <dsp:cNvPr id="0" name=""/>
-        <dsp:cNvSpPr/>
-      </dsp:nvSpPr>
-      <dsp:spPr>
-        <a:xfrm>
-          <a:off x="4452" y="576065"/>
-          <a:ext cx="3783362" cy="504051"/>
-        </a:xfrm>
-        <a:prstGeom prst="chevron">
-          <a:avLst/>
-        </a:prstGeom>
-        <a:gradFill flip="none" rotWithShape="0">
-          <a:gsLst>
-            <a:gs pos="0">
-              <a:schemeClr val="accent1">
-                <a:shade val="30000"/>
-                <a:satMod val="115000"/>
-              </a:schemeClr>
-            </a:gs>
-            <a:gs pos="50000">
-              <a:schemeClr val="accent1">
-                <a:shade val="67500"/>
-                <a:satMod val="115000"/>
-              </a:schemeClr>
-            </a:gs>
-            <a:gs pos="100000">
-              <a:schemeClr val="accent1">
-                <a:shade val="100000"/>
-                <a:satMod val="115000"/>
-              </a:schemeClr>
-            </a:gs>
-          </a:gsLst>
-          <a:lin ang="5400000" scaled="1"/>
-          <a:tileRect/>
-        </a:gradFill>
-        <a:ln w="12700" cap="flat" cmpd="sng" algn="ctr">
-          <a:solidFill>
-            <a:sysClr val="window" lastClr="FFFFFF">
-              <a:hueOff val="0"/>
-              <a:satOff val="0"/>
-              <a:lumOff val="0"/>
-              <a:alphaOff val="0"/>
-            </a:sysClr>
-          </a:solidFill>
-          <a:prstDash val="solid"/>
-        </a:ln>
-        <a:effectLst/>
-      </dsp:spPr>
-      <dsp:style>
-        <a:lnRef idx="2">
-          <a:scrgbClr r="0" g="0" b="0"/>
-        </a:lnRef>
-        <a:fillRef idx="1">
-          <a:scrgbClr r="0" g="0" b="0"/>
-        </a:fillRef>
-        <a:effectRef idx="0">
-          <a:scrgbClr r="0" g="0" b="0"/>
-        </a:effectRef>
-        <a:fontRef idx="minor">
-          <a:schemeClr val="lt1"/>
-        </a:fontRef>
-      </dsp:style>
-      <dsp:txBody>
-        <a:bodyPr spcFirstLastPara="0" vert="horz" wrap="square" lIns="30480" tIns="15240" rIns="0" bIns="15240" numCol="1" spcCol="1270" anchor="ctr" anchorCtr="0">
-          <a:noAutofit/>
-          <a:scene3d>
-            <a:camera prst="orthographicFront"/>
-            <a:lightRig rig="soft" dir="tl">
-              <a:rot lat="0" lon="0" rev="0"/>
-            </a:lightRig>
-          </a:scene3d>
-          <a:sp3d contourW="25400" prstMaterial="matte">
-            <a:contourClr>
-              <a:schemeClr val="accent2">
-                <a:tint val="20000"/>
-              </a:schemeClr>
-            </a:contourClr>
-          </a:sp3d>
-        </a:bodyPr>
-        <a:lstStyle/>
-        <a:p>
-          <a:pPr lvl="0" algn="ctr" defTabSz="1066800">
-            <a:lnSpc>
-              <a:spcPct val="90000"/>
-            </a:lnSpc>
-            <a:spcBef>
-              <a:spcPct val="0"/>
-            </a:spcBef>
-            <a:spcAft>
-              <a:spcPct val="35000"/>
-            </a:spcAft>
-          </a:pPr>
-          <a:r>
-            <a:rPr lang="pt-BR" sz="2400" b="0" kern="1200" cap="none" spc="0" dirty="0" smtClean="0">
-              <a:ln w="18415" cmpd="sng">
-                <a:solidFill>
-                  <a:sysClr val="window" lastClr="FFFFFF"/>
-                </a:solidFill>
-                <a:prstDash val="solid"/>
-              </a:ln>
-              <a:solidFill>
-                <a:sysClr val="window" lastClr="FFFFFF"/>
-              </a:solidFill>
-              <a:effectLst>
-                <a:outerShdw blurRad="63500" dir="3600000" algn="tl" rotWithShape="0">
-                  <a:srgbClr val="000000">
-                    <a:alpha val="70000"/>
-                  </a:srgbClr>
-                </a:outerShdw>
-              </a:effectLst>
-              <a:latin typeface="Gill Sans MT"/>
-              <a:ea typeface="+mn-ea"/>
-              <a:cs typeface="+mn-cs"/>
-            </a:rPr>
-            <a:t>3 - Desenvolvimento</a:t>
-          </a:r>
-          <a:endParaRPr lang="pt-BR" sz="2400" b="0" kern="1200" cap="none" spc="0" dirty="0">
-            <a:ln w="18415" cmpd="sng">
-              <a:solidFill>
-                <a:sysClr val="window" lastClr="FFFFFF"/>
-              </a:solidFill>
-              <a:prstDash val="solid"/>
-            </a:ln>
-            <a:solidFill>
-              <a:sysClr val="window" lastClr="FFFFFF"/>
-            </a:solidFill>
-            <a:effectLst>
-              <a:outerShdw blurRad="63500" dir="3600000" algn="tl" rotWithShape="0">
-                <a:srgbClr val="000000">
-                  <a:alpha val="70000"/>
-                </a:srgbClr>
-              </a:outerShdw>
-            </a:effectLst>
-            <a:latin typeface="Gill Sans MT"/>
-            <a:ea typeface="+mn-ea"/>
-            <a:cs typeface="+mn-cs"/>
-          </a:endParaRPr>
-        </a:p>
-      </dsp:txBody>
-      <dsp:txXfrm>
-        <a:off x="256478" y="576065"/>
-        <a:ext cx="3279311" cy="504051"/>
-      </dsp:txXfrm>
-    </dsp:sp>
-    <dsp:sp modelId="{DCBC4AA7-5B34-4058-8DCE-45073067BFBC}">
-      <dsp:nvSpPr>
-        <dsp:cNvPr id="0" name=""/>
-        <dsp:cNvSpPr/>
-      </dsp:nvSpPr>
-      <dsp:spPr>
-        <a:xfrm>
-          <a:off x="3142232" y="618910"/>
-          <a:ext cx="4774195" cy="418362"/>
-        </a:xfrm>
-        <a:prstGeom prst="chevron">
-          <a:avLst/>
-        </a:prstGeom>
-        <a:solidFill>
-          <a:srgbClr val="4E67C8">
-            <a:alpha val="90000"/>
-            <a:tint val="40000"/>
-            <a:hueOff val="0"/>
-            <a:satOff val="0"/>
-            <a:lumOff val="0"/>
-            <a:alphaOff val="0"/>
-          </a:srgbClr>
-        </a:solidFill>
-        <a:ln w="12700" cap="flat" cmpd="sng" algn="ctr">
-          <a:solidFill>
-            <a:srgbClr val="4E67C8">
-              <a:alpha val="90000"/>
-              <a:tint val="40000"/>
-              <a:hueOff val="0"/>
-              <a:satOff val="0"/>
-              <a:lumOff val="0"/>
-              <a:alphaOff val="0"/>
-            </a:srgbClr>
-          </a:solidFill>
-          <a:prstDash val="solid"/>
-        </a:ln>
-        <a:effectLst/>
-      </dsp:spPr>
-      <dsp:style>
-        <a:lnRef idx="2">
-          <a:scrgbClr r="0" g="0" b="0"/>
-        </a:lnRef>
-        <a:fillRef idx="1">
-          <a:scrgbClr r="0" g="0" b="0"/>
-        </a:fillRef>
-        <a:effectRef idx="0">
-          <a:scrgbClr r="0" g="0" b="0"/>
-        </a:effectRef>
-        <a:fontRef idx="minor"/>
-      </dsp:style>
-      <dsp:txBody>
-        <a:bodyPr spcFirstLastPara="0" vert="horz" wrap="square" lIns="30480" tIns="15240" rIns="0" bIns="15240" numCol="1" spcCol="1270" anchor="ctr" anchorCtr="0">
-          <a:noAutofit/>
-        </a:bodyPr>
-        <a:lstStyle/>
-        <a:p>
-          <a:pPr lvl="0" algn="ctr" defTabSz="1066800">
-            <a:lnSpc>
-              <a:spcPct val="90000"/>
-            </a:lnSpc>
-            <a:spcBef>
-              <a:spcPct val="0"/>
-            </a:spcBef>
-            <a:spcAft>
-              <a:spcPct val="35000"/>
-            </a:spcAft>
-          </a:pPr>
-          <a:r>
-            <a:rPr lang="pt-BR" sz="2400" kern="1200" dirty="0" smtClean="0">
-              <a:solidFill>
-                <a:sysClr val="windowText" lastClr="000000">
-                  <a:hueOff val="0"/>
-                  <a:satOff val="0"/>
-                  <a:lumOff val="0"/>
-                  <a:alphaOff val="0"/>
-                </a:sysClr>
-              </a:solidFill>
-              <a:latin typeface="Gill Sans MT"/>
-              <a:ea typeface="+mn-ea"/>
-              <a:cs typeface="+mn-cs"/>
-            </a:rPr>
-            <a:t>Módulo </a:t>
-          </a:r>
-          <a:r>
-            <a:rPr lang="pt-BR" sz="2400" kern="1200" dirty="0" err="1" smtClean="0">
-              <a:solidFill>
-                <a:sysClr val="windowText" lastClr="000000">
-                  <a:hueOff val="0"/>
-                  <a:satOff val="0"/>
-                  <a:lumOff val="0"/>
-                  <a:alphaOff val="0"/>
-                </a:sysClr>
-              </a:solidFill>
-              <a:latin typeface="Gill Sans MT"/>
-              <a:ea typeface="+mn-ea"/>
-              <a:cs typeface="+mn-cs"/>
-            </a:rPr>
-            <a:t>MainApplication</a:t>
-          </a:r>
-          <a:endParaRPr lang="pt-BR" sz="2400" kern="1200" dirty="0">
-            <a:solidFill>
-              <a:sysClr val="windowText" lastClr="000000">
-                <a:hueOff val="0"/>
-                <a:satOff val="0"/>
-                <a:lumOff val="0"/>
-                <a:alphaOff val="0"/>
-              </a:sysClr>
-            </a:solidFill>
-            <a:latin typeface="Gill Sans MT"/>
-            <a:ea typeface="+mn-ea"/>
-            <a:cs typeface="+mn-cs"/>
-          </a:endParaRPr>
-        </a:p>
-      </dsp:txBody>
-      <dsp:txXfrm>
-        <a:off x="3351413" y="618910"/>
-        <a:ext cx="4355833" cy="418362"/>
-      </dsp:txXfrm>
-    </dsp:sp>
   </dsp:spTree>
 </dsp:drawing>
 </file>
@@ -16685,271 +16420,6 @@
       <dsp:cNvGrpSpPr/>
     </dsp:nvGrpSpPr>
     <dsp:grpSpPr/>
-    <dsp:sp modelId="{3BDA1A5A-6E70-42FF-9B96-2A768E2D3835}">
-      <dsp:nvSpPr>
-        <dsp:cNvPr id="0" name=""/>
-        <dsp:cNvSpPr/>
-      </dsp:nvSpPr>
-      <dsp:spPr>
-        <a:xfrm>
-          <a:off x="4452" y="576065"/>
-          <a:ext cx="3783362" cy="504051"/>
-        </a:xfrm>
-        <a:prstGeom prst="chevron">
-          <a:avLst/>
-        </a:prstGeom>
-        <a:gradFill flip="none" rotWithShape="0">
-          <a:gsLst>
-            <a:gs pos="0">
-              <a:schemeClr val="accent1">
-                <a:shade val="30000"/>
-                <a:satMod val="115000"/>
-              </a:schemeClr>
-            </a:gs>
-            <a:gs pos="50000">
-              <a:schemeClr val="accent1">
-                <a:shade val="67500"/>
-                <a:satMod val="115000"/>
-              </a:schemeClr>
-            </a:gs>
-            <a:gs pos="100000">
-              <a:schemeClr val="accent1">
-                <a:shade val="100000"/>
-                <a:satMod val="115000"/>
-              </a:schemeClr>
-            </a:gs>
-          </a:gsLst>
-          <a:lin ang="5400000" scaled="1"/>
-          <a:tileRect/>
-        </a:gradFill>
-        <a:ln w="12700" cap="flat" cmpd="sng" algn="ctr">
-          <a:solidFill>
-            <a:sysClr val="window" lastClr="FFFFFF">
-              <a:hueOff val="0"/>
-              <a:satOff val="0"/>
-              <a:lumOff val="0"/>
-              <a:alphaOff val="0"/>
-            </a:sysClr>
-          </a:solidFill>
-          <a:prstDash val="solid"/>
-        </a:ln>
-        <a:effectLst/>
-      </dsp:spPr>
-      <dsp:style>
-        <a:lnRef idx="2">
-          <a:scrgbClr r="0" g="0" b="0"/>
-        </a:lnRef>
-        <a:fillRef idx="1">
-          <a:scrgbClr r="0" g="0" b="0"/>
-        </a:fillRef>
-        <a:effectRef idx="0">
-          <a:scrgbClr r="0" g="0" b="0"/>
-        </a:effectRef>
-        <a:fontRef idx="minor">
-          <a:schemeClr val="lt1"/>
-        </a:fontRef>
-      </dsp:style>
-      <dsp:txBody>
-        <a:bodyPr spcFirstLastPara="0" vert="horz" wrap="square" lIns="30480" tIns="15240" rIns="0" bIns="15240" numCol="1" spcCol="1270" anchor="ctr" anchorCtr="0">
-          <a:noAutofit/>
-          <a:scene3d>
-            <a:camera prst="orthographicFront"/>
-            <a:lightRig rig="soft" dir="tl">
-              <a:rot lat="0" lon="0" rev="0"/>
-            </a:lightRig>
-          </a:scene3d>
-          <a:sp3d contourW="25400" prstMaterial="matte">
-            <a:contourClr>
-              <a:schemeClr val="accent2">
-                <a:tint val="20000"/>
-              </a:schemeClr>
-            </a:contourClr>
-          </a:sp3d>
-        </a:bodyPr>
-        <a:lstStyle/>
-        <a:p>
-          <a:pPr lvl="0" algn="ctr" defTabSz="1066800">
-            <a:lnSpc>
-              <a:spcPct val="90000"/>
-            </a:lnSpc>
-            <a:spcBef>
-              <a:spcPct val="0"/>
-            </a:spcBef>
-            <a:spcAft>
-              <a:spcPct val="35000"/>
-            </a:spcAft>
-          </a:pPr>
-          <a:r>
-            <a:rPr lang="pt-BR" sz="2400" b="0" kern="1200" cap="none" spc="0" dirty="0" smtClean="0">
-              <a:ln w="18415" cmpd="sng">
-                <a:solidFill>
-                  <a:sysClr val="window" lastClr="FFFFFF"/>
-                </a:solidFill>
-                <a:prstDash val="solid"/>
-              </a:ln>
-              <a:solidFill>
-                <a:sysClr val="window" lastClr="FFFFFF"/>
-              </a:solidFill>
-              <a:effectLst>
-                <a:outerShdw blurRad="63500" dir="3600000" algn="tl" rotWithShape="0">
-                  <a:srgbClr val="000000">
-                    <a:alpha val="70000"/>
-                  </a:srgbClr>
-                </a:outerShdw>
-              </a:effectLst>
-              <a:latin typeface="Gill Sans MT"/>
-              <a:ea typeface="+mn-ea"/>
-              <a:cs typeface="+mn-cs"/>
-            </a:rPr>
-            <a:t>3 - Desenvolvimento</a:t>
-          </a:r>
-          <a:endParaRPr lang="pt-BR" sz="2400" b="0" kern="1200" cap="none" spc="0" dirty="0">
-            <a:ln w="18415" cmpd="sng">
-              <a:solidFill>
-                <a:sysClr val="window" lastClr="FFFFFF"/>
-              </a:solidFill>
-              <a:prstDash val="solid"/>
-            </a:ln>
-            <a:solidFill>
-              <a:sysClr val="window" lastClr="FFFFFF"/>
-            </a:solidFill>
-            <a:effectLst>
-              <a:outerShdw blurRad="63500" dir="3600000" algn="tl" rotWithShape="0">
-                <a:srgbClr val="000000">
-                  <a:alpha val="70000"/>
-                </a:srgbClr>
-              </a:outerShdw>
-            </a:effectLst>
-            <a:latin typeface="Gill Sans MT"/>
-            <a:ea typeface="+mn-ea"/>
-            <a:cs typeface="+mn-cs"/>
-          </a:endParaRPr>
-        </a:p>
-      </dsp:txBody>
-      <dsp:txXfrm>
-        <a:off x="256478" y="576065"/>
-        <a:ext cx="3279311" cy="504051"/>
-      </dsp:txXfrm>
-    </dsp:sp>
-    <dsp:sp modelId="{DCBC4AA7-5B34-4058-8DCE-45073067BFBC}">
-      <dsp:nvSpPr>
-        <dsp:cNvPr id="0" name=""/>
-        <dsp:cNvSpPr/>
-      </dsp:nvSpPr>
-      <dsp:spPr>
-        <a:xfrm>
-          <a:off x="3142232" y="618910"/>
-          <a:ext cx="4774195" cy="418362"/>
-        </a:xfrm>
-        <a:prstGeom prst="chevron">
-          <a:avLst/>
-        </a:prstGeom>
-        <a:solidFill>
-          <a:srgbClr val="4E67C8">
-            <a:alpha val="90000"/>
-            <a:tint val="40000"/>
-            <a:hueOff val="0"/>
-            <a:satOff val="0"/>
-            <a:lumOff val="0"/>
-            <a:alphaOff val="0"/>
-          </a:srgbClr>
-        </a:solidFill>
-        <a:ln w="12700" cap="flat" cmpd="sng" algn="ctr">
-          <a:solidFill>
-            <a:srgbClr val="4E67C8">
-              <a:alpha val="90000"/>
-              <a:tint val="40000"/>
-              <a:hueOff val="0"/>
-              <a:satOff val="0"/>
-              <a:lumOff val="0"/>
-              <a:alphaOff val="0"/>
-            </a:srgbClr>
-          </a:solidFill>
-          <a:prstDash val="solid"/>
-        </a:ln>
-        <a:effectLst/>
-      </dsp:spPr>
-      <dsp:style>
-        <a:lnRef idx="2">
-          <a:scrgbClr r="0" g="0" b="0"/>
-        </a:lnRef>
-        <a:fillRef idx="1">
-          <a:scrgbClr r="0" g="0" b="0"/>
-        </a:fillRef>
-        <a:effectRef idx="0">
-          <a:scrgbClr r="0" g="0" b="0"/>
-        </a:effectRef>
-        <a:fontRef idx="minor"/>
-      </dsp:style>
-      <dsp:txBody>
-        <a:bodyPr spcFirstLastPara="0" vert="horz" wrap="square" lIns="30480" tIns="15240" rIns="0" bIns="15240" numCol="1" spcCol="1270" anchor="ctr" anchorCtr="0">
-          <a:noAutofit/>
-        </a:bodyPr>
-        <a:lstStyle/>
-        <a:p>
-          <a:pPr lvl="0" algn="ctr" defTabSz="1066800">
-            <a:lnSpc>
-              <a:spcPct val="90000"/>
-            </a:lnSpc>
-            <a:spcBef>
-              <a:spcPct val="0"/>
-            </a:spcBef>
-            <a:spcAft>
-              <a:spcPct val="35000"/>
-            </a:spcAft>
-          </a:pPr>
-          <a:r>
-            <a:rPr lang="pt-BR" sz="2400" kern="1200" dirty="0" smtClean="0">
-              <a:solidFill>
-                <a:sysClr val="windowText" lastClr="000000">
-                  <a:hueOff val="0"/>
-                  <a:satOff val="0"/>
-                  <a:lumOff val="0"/>
-                  <a:alphaOff val="0"/>
-                </a:sysClr>
-              </a:solidFill>
-              <a:latin typeface="Gill Sans MT"/>
-              <a:ea typeface="+mn-ea"/>
-              <a:cs typeface="+mn-cs"/>
-            </a:rPr>
-            <a:t>Módulo </a:t>
-          </a:r>
-          <a:r>
-            <a:rPr lang="pt-BR" sz="2400" kern="1200" dirty="0" err="1" smtClean="0">
-              <a:solidFill>
-                <a:sysClr val="windowText" lastClr="000000">
-                  <a:hueOff val="0"/>
-                  <a:satOff val="0"/>
-                  <a:lumOff val="0"/>
-                  <a:alphaOff val="0"/>
-                </a:sysClr>
-              </a:solidFill>
-              <a:latin typeface="Gill Sans MT"/>
-              <a:ea typeface="+mn-ea"/>
-              <a:cs typeface="+mn-cs"/>
-            </a:rPr>
-            <a:t>MainApplication</a:t>
-          </a:r>
-          <a:endParaRPr lang="pt-BR" sz="2400" kern="1200" dirty="0">
-            <a:solidFill>
-              <a:sysClr val="windowText" lastClr="000000">
-                <a:hueOff val="0"/>
-                <a:satOff val="0"/>
-                <a:lumOff val="0"/>
-                <a:alphaOff val="0"/>
-              </a:sysClr>
-            </a:solidFill>
-            <a:latin typeface="Gill Sans MT"/>
-            <a:ea typeface="+mn-ea"/>
-            <a:cs typeface="+mn-cs"/>
-          </a:endParaRPr>
-        </a:p>
-      </dsp:txBody>
-      <dsp:txXfrm>
-        <a:off x="3351413" y="618910"/>
-        <a:ext cx="4355833" cy="418362"/>
-      </dsp:txXfrm>
-    </dsp:sp>
   </dsp:spTree>
 </dsp:drawing>
 </file>
@@ -16962,271 +16432,6 @@
       <dsp:cNvGrpSpPr/>
     </dsp:nvGrpSpPr>
     <dsp:grpSpPr/>
-    <dsp:sp modelId="{3BDA1A5A-6E70-42FF-9B96-2A768E2D3835}">
-      <dsp:nvSpPr>
-        <dsp:cNvPr id="0" name=""/>
-        <dsp:cNvSpPr/>
-      </dsp:nvSpPr>
-      <dsp:spPr>
-        <a:xfrm>
-          <a:off x="4452" y="576065"/>
-          <a:ext cx="3783362" cy="504051"/>
-        </a:xfrm>
-        <a:prstGeom prst="chevron">
-          <a:avLst/>
-        </a:prstGeom>
-        <a:gradFill flip="none" rotWithShape="0">
-          <a:gsLst>
-            <a:gs pos="0">
-              <a:schemeClr val="accent1">
-                <a:shade val="30000"/>
-                <a:satMod val="115000"/>
-              </a:schemeClr>
-            </a:gs>
-            <a:gs pos="50000">
-              <a:schemeClr val="accent1">
-                <a:shade val="67500"/>
-                <a:satMod val="115000"/>
-              </a:schemeClr>
-            </a:gs>
-            <a:gs pos="100000">
-              <a:schemeClr val="accent1">
-                <a:shade val="100000"/>
-                <a:satMod val="115000"/>
-              </a:schemeClr>
-            </a:gs>
-          </a:gsLst>
-          <a:lin ang="5400000" scaled="1"/>
-          <a:tileRect/>
-        </a:gradFill>
-        <a:ln w="12700" cap="flat" cmpd="sng" algn="ctr">
-          <a:solidFill>
-            <a:sysClr val="window" lastClr="FFFFFF">
-              <a:hueOff val="0"/>
-              <a:satOff val="0"/>
-              <a:lumOff val="0"/>
-              <a:alphaOff val="0"/>
-            </a:sysClr>
-          </a:solidFill>
-          <a:prstDash val="solid"/>
-        </a:ln>
-        <a:effectLst/>
-      </dsp:spPr>
-      <dsp:style>
-        <a:lnRef idx="2">
-          <a:scrgbClr r="0" g="0" b="0"/>
-        </a:lnRef>
-        <a:fillRef idx="1">
-          <a:scrgbClr r="0" g="0" b="0"/>
-        </a:fillRef>
-        <a:effectRef idx="0">
-          <a:scrgbClr r="0" g="0" b="0"/>
-        </a:effectRef>
-        <a:fontRef idx="minor">
-          <a:schemeClr val="lt1"/>
-        </a:fontRef>
-      </dsp:style>
-      <dsp:txBody>
-        <a:bodyPr spcFirstLastPara="0" vert="horz" wrap="square" lIns="30480" tIns="15240" rIns="0" bIns="15240" numCol="1" spcCol="1270" anchor="ctr" anchorCtr="0">
-          <a:noAutofit/>
-          <a:scene3d>
-            <a:camera prst="orthographicFront"/>
-            <a:lightRig rig="soft" dir="tl">
-              <a:rot lat="0" lon="0" rev="0"/>
-            </a:lightRig>
-          </a:scene3d>
-          <a:sp3d contourW="25400" prstMaterial="matte">
-            <a:contourClr>
-              <a:schemeClr val="accent2">
-                <a:tint val="20000"/>
-              </a:schemeClr>
-            </a:contourClr>
-          </a:sp3d>
-        </a:bodyPr>
-        <a:lstStyle/>
-        <a:p>
-          <a:pPr lvl="0" algn="ctr" defTabSz="1066800">
-            <a:lnSpc>
-              <a:spcPct val="90000"/>
-            </a:lnSpc>
-            <a:spcBef>
-              <a:spcPct val="0"/>
-            </a:spcBef>
-            <a:spcAft>
-              <a:spcPct val="35000"/>
-            </a:spcAft>
-          </a:pPr>
-          <a:r>
-            <a:rPr lang="pt-BR" sz="2400" b="0" kern="1200" cap="none" spc="0" dirty="0" smtClean="0">
-              <a:ln w="18415" cmpd="sng">
-                <a:solidFill>
-                  <a:sysClr val="window" lastClr="FFFFFF"/>
-                </a:solidFill>
-                <a:prstDash val="solid"/>
-              </a:ln>
-              <a:solidFill>
-                <a:sysClr val="window" lastClr="FFFFFF"/>
-              </a:solidFill>
-              <a:effectLst>
-                <a:outerShdw blurRad="63500" dir="3600000" algn="tl" rotWithShape="0">
-                  <a:srgbClr val="000000">
-                    <a:alpha val="70000"/>
-                  </a:srgbClr>
-                </a:outerShdw>
-              </a:effectLst>
-              <a:latin typeface="Gill Sans MT"/>
-              <a:ea typeface="+mn-ea"/>
-              <a:cs typeface="+mn-cs"/>
-            </a:rPr>
-            <a:t>3 - Desenvolvimento</a:t>
-          </a:r>
-          <a:endParaRPr lang="pt-BR" sz="2400" b="0" kern="1200" cap="none" spc="0" dirty="0">
-            <a:ln w="18415" cmpd="sng">
-              <a:solidFill>
-                <a:sysClr val="window" lastClr="FFFFFF"/>
-              </a:solidFill>
-              <a:prstDash val="solid"/>
-            </a:ln>
-            <a:solidFill>
-              <a:sysClr val="window" lastClr="FFFFFF"/>
-            </a:solidFill>
-            <a:effectLst>
-              <a:outerShdw blurRad="63500" dir="3600000" algn="tl" rotWithShape="0">
-                <a:srgbClr val="000000">
-                  <a:alpha val="70000"/>
-                </a:srgbClr>
-              </a:outerShdw>
-            </a:effectLst>
-            <a:latin typeface="Gill Sans MT"/>
-            <a:ea typeface="+mn-ea"/>
-            <a:cs typeface="+mn-cs"/>
-          </a:endParaRPr>
-        </a:p>
-      </dsp:txBody>
-      <dsp:txXfrm>
-        <a:off x="256478" y="576065"/>
-        <a:ext cx="3279311" cy="504051"/>
-      </dsp:txXfrm>
-    </dsp:sp>
-    <dsp:sp modelId="{DCBC4AA7-5B34-4058-8DCE-45073067BFBC}">
-      <dsp:nvSpPr>
-        <dsp:cNvPr id="0" name=""/>
-        <dsp:cNvSpPr/>
-      </dsp:nvSpPr>
-      <dsp:spPr>
-        <a:xfrm>
-          <a:off x="3142232" y="618910"/>
-          <a:ext cx="4774195" cy="418362"/>
-        </a:xfrm>
-        <a:prstGeom prst="chevron">
-          <a:avLst/>
-        </a:prstGeom>
-        <a:solidFill>
-          <a:srgbClr val="4E67C8">
-            <a:alpha val="90000"/>
-            <a:tint val="40000"/>
-            <a:hueOff val="0"/>
-            <a:satOff val="0"/>
-            <a:lumOff val="0"/>
-            <a:alphaOff val="0"/>
-          </a:srgbClr>
-        </a:solidFill>
-        <a:ln w="12700" cap="flat" cmpd="sng" algn="ctr">
-          <a:solidFill>
-            <a:srgbClr val="4E67C8">
-              <a:alpha val="90000"/>
-              <a:tint val="40000"/>
-              <a:hueOff val="0"/>
-              <a:satOff val="0"/>
-              <a:lumOff val="0"/>
-              <a:alphaOff val="0"/>
-            </a:srgbClr>
-          </a:solidFill>
-          <a:prstDash val="solid"/>
-        </a:ln>
-        <a:effectLst/>
-      </dsp:spPr>
-      <dsp:style>
-        <a:lnRef idx="2">
-          <a:scrgbClr r="0" g="0" b="0"/>
-        </a:lnRef>
-        <a:fillRef idx="1">
-          <a:scrgbClr r="0" g="0" b="0"/>
-        </a:fillRef>
-        <a:effectRef idx="0">
-          <a:scrgbClr r="0" g="0" b="0"/>
-        </a:effectRef>
-        <a:fontRef idx="minor"/>
-      </dsp:style>
-      <dsp:txBody>
-        <a:bodyPr spcFirstLastPara="0" vert="horz" wrap="square" lIns="30480" tIns="15240" rIns="0" bIns="15240" numCol="1" spcCol="1270" anchor="ctr" anchorCtr="0">
-          <a:noAutofit/>
-        </a:bodyPr>
-        <a:lstStyle/>
-        <a:p>
-          <a:pPr lvl="0" algn="ctr" defTabSz="1066800">
-            <a:lnSpc>
-              <a:spcPct val="90000"/>
-            </a:lnSpc>
-            <a:spcBef>
-              <a:spcPct val="0"/>
-            </a:spcBef>
-            <a:spcAft>
-              <a:spcPct val="35000"/>
-            </a:spcAft>
-          </a:pPr>
-          <a:r>
-            <a:rPr lang="pt-BR" sz="2400" kern="1200" dirty="0" smtClean="0">
-              <a:solidFill>
-                <a:sysClr val="windowText" lastClr="000000">
-                  <a:hueOff val="0"/>
-                  <a:satOff val="0"/>
-                  <a:lumOff val="0"/>
-                  <a:alphaOff val="0"/>
-                </a:sysClr>
-              </a:solidFill>
-              <a:latin typeface="Gill Sans MT"/>
-              <a:ea typeface="+mn-ea"/>
-              <a:cs typeface="+mn-cs"/>
-            </a:rPr>
-            <a:t>Módulo </a:t>
-          </a:r>
-          <a:r>
-            <a:rPr lang="pt-BR" sz="2400" kern="1200" dirty="0" err="1" smtClean="0">
-              <a:solidFill>
-                <a:sysClr val="windowText" lastClr="000000">
-                  <a:hueOff val="0"/>
-                  <a:satOff val="0"/>
-                  <a:lumOff val="0"/>
-                  <a:alphaOff val="0"/>
-                </a:sysClr>
-              </a:solidFill>
-              <a:latin typeface="Gill Sans MT"/>
-              <a:ea typeface="+mn-ea"/>
-              <a:cs typeface="+mn-cs"/>
-            </a:rPr>
-            <a:t>ChatExample</a:t>
-          </a:r>
-          <a:endParaRPr lang="pt-BR" sz="2400" kern="1200" dirty="0">
-            <a:solidFill>
-              <a:sysClr val="windowText" lastClr="000000">
-                <a:hueOff val="0"/>
-                <a:satOff val="0"/>
-                <a:lumOff val="0"/>
-                <a:alphaOff val="0"/>
-              </a:sysClr>
-            </a:solidFill>
-            <a:latin typeface="Gill Sans MT"/>
-            <a:ea typeface="+mn-ea"/>
-            <a:cs typeface="+mn-cs"/>
-          </a:endParaRPr>
-        </a:p>
-      </dsp:txBody>
-      <dsp:txXfrm>
-        <a:off x="3351413" y="618910"/>
-        <a:ext cx="4355833" cy="418362"/>
-      </dsp:txXfrm>
-    </dsp:sp>
   </dsp:spTree>
 </dsp:drawing>
 </file>
@@ -17239,271 +16444,6 @@
       <dsp:cNvGrpSpPr/>
     </dsp:nvGrpSpPr>
     <dsp:grpSpPr/>
-    <dsp:sp modelId="{3BDA1A5A-6E70-42FF-9B96-2A768E2D3835}">
-      <dsp:nvSpPr>
-        <dsp:cNvPr id="0" name=""/>
-        <dsp:cNvSpPr/>
-      </dsp:nvSpPr>
-      <dsp:spPr>
-        <a:xfrm>
-          <a:off x="4452" y="576065"/>
-          <a:ext cx="3783362" cy="504051"/>
-        </a:xfrm>
-        <a:prstGeom prst="chevron">
-          <a:avLst/>
-        </a:prstGeom>
-        <a:gradFill flip="none" rotWithShape="0">
-          <a:gsLst>
-            <a:gs pos="0">
-              <a:schemeClr val="accent1">
-                <a:shade val="30000"/>
-                <a:satMod val="115000"/>
-              </a:schemeClr>
-            </a:gs>
-            <a:gs pos="50000">
-              <a:schemeClr val="accent1">
-                <a:shade val="67500"/>
-                <a:satMod val="115000"/>
-              </a:schemeClr>
-            </a:gs>
-            <a:gs pos="100000">
-              <a:schemeClr val="accent1">
-                <a:shade val="100000"/>
-                <a:satMod val="115000"/>
-              </a:schemeClr>
-            </a:gs>
-          </a:gsLst>
-          <a:lin ang="5400000" scaled="1"/>
-          <a:tileRect/>
-        </a:gradFill>
-        <a:ln w="12700" cap="flat" cmpd="sng" algn="ctr">
-          <a:solidFill>
-            <a:sysClr val="window" lastClr="FFFFFF">
-              <a:hueOff val="0"/>
-              <a:satOff val="0"/>
-              <a:lumOff val="0"/>
-              <a:alphaOff val="0"/>
-            </a:sysClr>
-          </a:solidFill>
-          <a:prstDash val="solid"/>
-        </a:ln>
-        <a:effectLst/>
-      </dsp:spPr>
-      <dsp:style>
-        <a:lnRef idx="2">
-          <a:scrgbClr r="0" g="0" b="0"/>
-        </a:lnRef>
-        <a:fillRef idx="1">
-          <a:scrgbClr r="0" g="0" b="0"/>
-        </a:fillRef>
-        <a:effectRef idx="0">
-          <a:scrgbClr r="0" g="0" b="0"/>
-        </a:effectRef>
-        <a:fontRef idx="minor">
-          <a:schemeClr val="lt1"/>
-        </a:fontRef>
-      </dsp:style>
-      <dsp:txBody>
-        <a:bodyPr spcFirstLastPara="0" vert="horz" wrap="square" lIns="30480" tIns="15240" rIns="0" bIns="15240" numCol="1" spcCol="1270" anchor="ctr" anchorCtr="0">
-          <a:noAutofit/>
-          <a:scene3d>
-            <a:camera prst="orthographicFront"/>
-            <a:lightRig rig="soft" dir="tl">
-              <a:rot lat="0" lon="0" rev="0"/>
-            </a:lightRig>
-          </a:scene3d>
-          <a:sp3d contourW="25400" prstMaterial="matte">
-            <a:contourClr>
-              <a:schemeClr val="accent2">
-                <a:tint val="20000"/>
-              </a:schemeClr>
-            </a:contourClr>
-          </a:sp3d>
-        </a:bodyPr>
-        <a:lstStyle/>
-        <a:p>
-          <a:pPr lvl="0" algn="ctr" defTabSz="1066800">
-            <a:lnSpc>
-              <a:spcPct val="90000"/>
-            </a:lnSpc>
-            <a:spcBef>
-              <a:spcPct val="0"/>
-            </a:spcBef>
-            <a:spcAft>
-              <a:spcPct val="35000"/>
-            </a:spcAft>
-          </a:pPr>
-          <a:r>
-            <a:rPr lang="pt-BR" sz="2400" b="0" kern="1200" cap="none" spc="0" dirty="0" smtClean="0">
-              <a:ln w="18415" cmpd="sng">
-                <a:solidFill>
-                  <a:sysClr val="window" lastClr="FFFFFF"/>
-                </a:solidFill>
-                <a:prstDash val="solid"/>
-              </a:ln>
-              <a:solidFill>
-                <a:sysClr val="window" lastClr="FFFFFF"/>
-              </a:solidFill>
-              <a:effectLst>
-                <a:outerShdw blurRad="63500" dir="3600000" algn="tl" rotWithShape="0">
-                  <a:srgbClr val="000000">
-                    <a:alpha val="70000"/>
-                  </a:srgbClr>
-                </a:outerShdw>
-              </a:effectLst>
-              <a:latin typeface="Gill Sans MT"/>
-              <a:ea typeface="+mn-ea"/>
-              <a:cs typeface="+mn-cs"/>
-            </a:rPr>
-            <a:t>3 - Desenvolvimento</a:t>
-          </a:r>
-          <a:endParaRPr lang="pt-BR" sz="2400" b="0" kern="1200" cap="none" spc="0" dirty="0">
-            <a:ln w="18415" cmpd="sng">
-              <a:solidFill>
-                <a:sysClr val="window" lastClr="FFFFFF"/>
-              </a:solidFill>
-              <a:prstDash val="solid"/>
-            </a:ln>
-            <a:solidFill>
-              <a:sysClr val="window" lastClr="FFFFFF"/>
-            </a:solidFill>
-            <a:effectLst>
-              <a:outerShdw blurRad="63500" dir="3600000" algn="tl" rotWithShape="0">
-                <a:srgbClr val="000000">
-                  <a:alpha val="70000"/>
-                </a:srgbClr>
-              </a:outerShdw>
-            </a:effectLst>
-            <a:latin typeface="Gill Sans MT"/>
-            <a:ea typeface="+mn-ea"/>
-            <a:cs typeface="+mn-cs"/>
-          </a:endParaRPr>
-        </a:p>
-      </dsp:txBody>
-      <dsp:txXfrm>
-        <a:off x="256478" y="576065"/>
-        <a:ext cx="3279311" cy="504051"/>
-      </dsp:txXfrm>
-    </dsp:sp>
-    <dsp:sp modelId="{DCBC4AA7-5B34-4058-8DCE-45073067BFBC}">
-      <dsp:nvSpPr>
-        <dsp:cNvPr id="0" name=""/>
-        <dsp:cNvSpPr/>
-      </dsp:nvSpPr>
-      <dsp:spPr>
-        <a:xfrm>
-          <a:off x="3142232" y="618910"/>
-          <a:ext cx="4774195" cy="418362"/>
-        </a:xfrm>
-        <a:prstGeom prst="chevron">
-          <a:avLst/>
-        </a:prstGeom>
-        <a:solidFill>
-          <a:srgbClr val="4E67C8">
-            <a:alpha val="90000"/>
-            <a:tint val="40000"/>
-            <a:hueOff val="0"/>
-            <a:satOff val="0"/>
-            <a:lumOff val="0"/>
-            <a:alphaOff val="0"/>
-          </a:srgbClr>
-        </a:solidFill>
-        <a:ln w="12700" cap="flat" cmpd="sng" algn="ctr">
-          <a:solidFill>
-            <a:srgbClr val="4E67C8">
-              <a:alpha val="90000"/>
-              <a:tint val="40000"/>
-              <a:hueOff val="0"/>
-              <a:satOff val="0"/>
-              <a:lumOff val="0"/>
-              <a:alphaOff val="0"/>
-            </a:srgbClr>
-          </a:solidFill>
-          <a:prstDash val="solid"/>
-        </a:ln>
-        <a:effectLst/>
-      </dsp:spPr>
-      <dsp:style>
-        <a:lnRef idx="2">
-          <a:scrgbClr r="0" g="0" b="0"/>
-        </a:lnRef>
-        <a:fillRef idx="1">
-          <a:scrgbClr r="0" g="0" b="0"/>
-        </a:fillRef>
-        <a:effectRef idx="0">
-          <a:scrgbClr r="0" g="0" b="0"/>
-        </a:effectRef>
-        <a:fontRef idx="minor"/>
-      </dsp:style>
-      <dsp:txBody>
-        <a:bodyPr spcFirstLastPara="0" vert="horz" wrap="square" lIns="30480" tIns="15240" rIns="0" bIns="15240" numCol="1" spcCol="1270" anchor="ctr" anchorCtr="0">
-          <a:noAutofit/>
-        </a:bodyPr>
-        <a:lstStyle/>
-        <a:p>
-          <a:pPr lvl="0" algn="ctr" defTabSz="1066800">
-            <a:lnSpc>
-              <a:spcPct val="90000"/>
-            </a:lnSpc>
-            <a:spcBef>
-              <a:spcPct val="0"/>
-            </a:spcBef>
-            <a:spcAft>
-              <a:spcPct val="35000"/>
-            </a:spcAft>
-          </a:pPr>
-          <a:r>
-            <a:rPr lang="pt-BR" sz="2400" kern="1200" dirty="0" smtClean="0">
-              <a:solidFill>
-                <a:sysClr val="windowText" lastClr="000000">
-                  <a:hueOff val="0"/>
-                  <a:satOff val="0"/>
-                  <a:lumOff val="0"/>
-                  <a:alphaOff val="0"/>
-                </a:sysClr>
-              </a:solidFill>
-              <a:latin typeface="Gill Sans MT"/>
-              <a:ea typeface="+mn-ea"/>
-              <a:cs typeface="+mn-cs"/>
-            </a:rPr>
-            <a:t>Módulo </a:t>
-          </a:r>
-          <a:r>
-            <a:rPr lang="pt-BR" sz="2400" kern="1200" dirty="0" err="1" smtClean="0">
-              <a:solidFill>
-                <a:sysClr val="windowText" lastClr="000000">
-                  <a:hueOff val="0"/>
-                  <a:satOff val="0"/>
-                  <a:lumOff val="0"/>
-                  <a:alphaOff val="0"/>
-                </a:sysClr>
-              </a:solidFill>
-              <a:latin typeface="Gill Sans MT"/>
-              <a:ea typeface="+mn-ea"/>
-              <a:cs typeface="+mn-cs"/>
-            </a:rPr>
-            <a:t>ChatExample</a:t>
-          </a:r>
-          <a:endParaRPr lang="pt-BR" sz="2400" kern="1200" dirty="0">
-            <a:solidFill>
-              <a:sysClr val="windowText" lastClr="000000">
-                <a:hueOff val="0"/>
-                <a:satOff val="0"/>
-                <a:lumOff val="0"/>
-                <a:alphaOff val="0"/>
-              </a:sysClr>
-            </a:solidFill>
-            <a:latin typeface="Gill Sans MT"/>
-            <a:ea typeface="+mn-ea"/>
-            <a:cs typeface="+mn-cs"/>
-          </a:endParaRPr>
-        </a:p>
-      </dsp:txBody>
-      <dsp:txXfrm>
-        <a:off x="3351413" y="618910"/>
-        <a:ext cx="4355833" cy="418362"/>
-      </dsp:txXfrm>
-    </dsp:sp>
   </dsp:spTree>
 </dsp:drawing>
 </file>
@@ -17516,255 +16456,6 @@
       <dsp:cNvGrpSpPr/>
     </dsp:nvGrpSpPr>
     <dsp:grpSpPr/>
-    <dsp:sp modelId="{3BDA1A5A-6E70-42FF-9B96-2A768E2D3835}">
-      <dsp:nvSpPr>
-        <dsp:cNvPr id="0" name=""/>
-        <dsp:cNvSpPr/>
-      </dsp:nvSpPr>
-      <dsp:spPr>
-        <a:xfrm>
-          <a:off x="4452" y="576065"/>
-          <a:ext cx="3783362" cy="504051"/>
-        </a:xfrm>
-        <a:prstGeom prst="chevron">
-          <a:avLst/>
-        </a:prstGeom>
-        <a:gradFill flip="none" rotWithShape="0">
-          <a:gsLst>
-            <a:gs pos="0">
-              <a:schemeClr val="accent1">
-                <a:shade val="30000"/>
-                <a:satMod val="115000"/>
-              </a:schemeClr>
-            </a:gs>
-            <a:gs pos="50000">
-              <a:schemeClr val="accent1">
-                <a:shade val="67500"/>
-                <a:satMod val="115000"/>
-              </a:schemeClr>
-            </a:gs>
-            <a:gs pos="100000">
-              <a:schemeClr val="accent1">
-                <a:shade val="100000"/>
-                <a:satMod val="115000"/>
-              </a:schemeClr>
-            </a:gs>
-          </a:gsLst>
-          <a:lin ang="5400000" scaled="1"/>
-          <a:tileRect/>
-        </a:gradFill>
-        <a:ln w="12700" cap="flat" cmpd="sng" algn="ctr">
-          <a:solidFill>
-            <a:sysClr val="window" lastClr="FFFFFF">
-              <a:hueOff val="0"/>
-              <a:satOff val="0"/>
-              <a:lumOff val="0"/>
-              <a:alphaOff val="0"/>
-            </a:sysClr>
-          </a:solidFill>
-          <a:prstDash val="solid"/>
-        </a:ln>
-        <a:effectLst/>
-      </dsp:spPr>
-      <dsp:style>
-        <a:lnRef idx="2">
-          <a:scrgbClr r="0" g="0" b="0"/>
-        </a:lnRef>
-        <a:fillRef idx="1">
-          <a:scrgbClr r="0" g="0" b="0"/>
-        </a:fillRef>
-        <a:effectRef idx="0">
-          <a:scrgbClr r="0" g="0" b="0"/>
-        </a:effectRef>
-        <a:fontRef idx="minor">
-          <a:schemeClr val="lt1"/>
-        </a:fontRef>
-      </dsp:style>
-      <dsp:txBody>
-        <a:bodyPr spcFirstLastPara="0" vert="horz" wrap="square" lIns="30480" tIns="15240" rIns="0" bIns="15240" numCol="1" spcCol="1270" anchor="ctr" anchorCtr="0">
-          <a:noAutofit/>
-          <a:scene3d>
-            <a:camera prst="orthographicFront"/>
-            <a:lightRig rig="soft" dir="tl">
-              <a:rot lat="0" lon="0" rev="0"/>
-            </a:lightRig>
-          </a:scene3d>
-          <a:sp3d contourW="25400" prstMaterial="matte">
-            <a:contourClr>
-              <a:schemeClr val="accent2">
-                <a:tint val="20000"/>
-              </a:schemeClr>
-            </a:contourClr>
-          </a:sp3d>
-        </a:bodyPr>
-        <a:lstStyle/>
-        <a:p>
-          <a:pPr lvl="0" algn="ctr" defTabSz="1066800">
-            <a:lnSpc>
-              <a:spcPct val="90000"/>
-            </a:lnSpc>
-            <a:spcBef>
-              <a:spcPct val="0"/>
-            </a:spcBef>
-            <a:spcAft>
-              <a:spcPct val="35000"/>
-            </a:spcAft>
-          </a:pPr>
-          <a:r>
-            <a:rPr lang="pt-BR" sz="2400" b="0" kern="1200" cap="none" spc="0" dirty="0" smtClean="0">
-              <a:ln w="18415" cmpd="sng">
-                <a:solidFill>
-                  <a:sysClr val="window" lastClr="FFFFFF"/>
-                </a:solidFill>
-                <a:prstDash val="solid"/>
-              </a:ln>
-              <a:solidFill>
-                <a:sysClr val="window" lastClr="FFFFFF"/>
-              </a:solidFill>
-              <a:effectLst>
-                <a:outerShdw blurRad="63500" dir="3600000" algn="tl" rotWithShape="0">
-                  <a:srgbClr val="000000">
-                    <a:alpha val="70000"/>
-                  </a:srgbClr>
-                </a:outerShdw>
-              </a:effectLst>
-              <a:latin typeface="Gill Sans MT"/>
-              <a:ea typeface="+mn-ea"/>
-              <a:cs typeface="+mn-cs"/>
-            </a:rPr>
-            <a:t>4 - Conclusão</a:t>
-          </a:r>
-          <a:endParaRPr lang="pt-BR" sz="2400" b="0" kern="1200" cap="none" spc="0" dirty="0">
-            <a:ln w="18415" cmpd="sng">
-              <a:solidFill>
-                <a:sysClr val="window" lastClr="FFFFFF"/>
-              </a:solidFill>
-              <a:prstDash val="solid"/>
-            </a:ln>
-            <a:solidFill>
-              <a:sysClr val="window" lastClr="FFFFFF"/>
-            </a:solidFill>
-            <a:effectLst>
-              <a:outerShdw blurRad="63500" dir="3600000" algn="tl" rotWithShape="0">
-                <a:srgbClr val="000000">
-                  <a:alpha val="70000"/>
-                </a:srgbClr>
-              </a:outerShdw>
-            </a:effectLst>
-            <a:latin typeface="Gill Sans MT"/>
-            <a:ea typeface="+mn-ea"/>
-            <a:cs typeface="+mn-cs"/>
-          </a:endParaRPr>
-        </a:p>
-      </dsp:txBody>
-      <dsp:txXfrm>
-        <a:off x="256478" y="576065"/>
-        <a:ext cx="3279311" cy="504051"/>
-      </dsp:txXfrm>
-    </dsp:sp>
-    <dsp:sp modelId="{DCBC4AA7-5B34-4058-8DCE-45073067BFBC}">
-      <dsp:nvSpPr>
-        <dsp:cNvPr id="0" name=""/>
-        <dsp:cNvSpPr/>
-      </dsp:nvSpPr>
-      <dsp:spPr>
-        <a:xfrm>
-          <a:off x="3142232" y="618910"/>
-          <a:ext cx="4774195" cy="418362"/>
-        </a:xfrm>
-        <a:prstGeom prst="chevron">
-          <a:avLst/>
-        </a:prstGeom>
-        <a:solidFill>
-          <a:srgbClr val="4E67C8">
-            <a:alpha val="90000"/>
-            <a:tint val="40000"/>
-            <a:hueOff val="0"/>
-            <a:satOff val="0"/>
-            <a:lumOff val="0"/>
-            <a:alphaOff val="0"/>
-          </a:srgbClr>
-        </a:solidFill>
-        <a:ln w="12700" cap="flat" cmpd="sng" algn="ctr">
-          <a:solidFill>
-            <a:srgbClr val="4E67C8">
-              <a:alpha val="90000"/>
-              <a:tint val="40000"/>
-              <a:hueOff val="0"/>
-              <a:satOff val="0"/>
-              <a:lumOff val="0"/>
-              <a:alphaOff val="0"/>
-            </a:srgbClr>
-          </a:solidFill>
-          <a:prstDash val="solid"/>
-        </a:ln>
-        <a:effectLst/>
-      </dsp:spPr>
-      <dsp:style>
-        <a:lnRef idx="2">
-          <a:scrgbClr r="0" g="0" b="0"/>
-        </a:lnRef>
-        <a:fillRef idx="1">
-          <a:scrgbClr r="0" g="0" b="0"/>
-        </a:fillRef>
-        <a:effectRef idx="0">
-          <a:scrgbClr r="0" g="0" b="0"/>
-        </a:effectRef>
-        <a:fontRef idx="minor"/>
-      </dsp:style>
-      <dsp:txBody>
-        <a:bodyPr spcFirstLastPara="0" vert="horz" wrap="square" lIns="30480" tIns="15240" rIns="0" bIns="15240" numCol="1" spcCol="1270" anchor="ctr" anchorCtr="0">
-          <a:noAutofit/>
-        </a:bodyPr>
-        <a:lstStyle/>
-        <a:p>
-          <a:pPr lvl="0" algn="ctr" defTabSz="1066800">
-            <a:lnSpc>
-              <a:spcPct val="90000"/>
-            </a:lnSpc>
-            <a:spcBef>
-              <a:spcPct val="0"/>
-            </a:spcBef>
-            <a:spcAft>
-              <a:spcPct val="35000"/>
-            </a:spcAft>
-          </a:pPr>
-          <a:r>
-            <a:rPr lang="pt-BR" sz="2400" kern="1200" dirty="0" smtClean="0">
-              <a:solidFill>
-                <a:sysClr val="windowText" lastClr="000000">
-                  <a:hueOff val="0"/>
-                  <a:satOff val="0"/>
-                  <a:lumOff val="0"/>
-                  <a:alphaOff val="0"/>
-                </a:sysClr>
-              </a:solidFill>
-              <a:latin typeface="Gill Sans MT"/>
-              <a:ea typeface="+mn-ea"/>
-              <a:cs typeface="+mn-cs"/>
-            </a:rPr>
-            <a:t>Considerações</a:t>
-          </a:r>
-          <a:endParaRPr lang="pt-BR" sz="2400" kern="1200" dirty="0">
-            <a:solidFill>
-              <a:sysClr val="windowText" lastClr="000000">
-                <a:hueOff val="0"/>
-                <a:satOff val="0"/>
-                <a:lumOff val="0"/>
-                <a:alphaOff val="0"/>
-              </a:sysClr>
-            </a:solidFill>
-            <a:latin typeface="Gill Sans MT"/>
-            <a:ea typeface="+mn-ea"/>
-            <a:cs typeface="+mn-cs"/>
-          </a:endParaRPr>
-        </a:p>
-      </dsp:txBody>
-      <dsp:txXfrm>
-        <a:off x="3351413" y="618910"/>
-        <a:ext cx="4355833" cy="418362"/>
-      </dsp:txXfrm>
-    </dsp:sp>
   </dsp:spTree>
 </dsp:drawing>
 </file>
@@ -17777,255 +16468,6 @@
       <dsp:cNvGrpSpPr/>
     </dsp:nvGrpSpPr>
     <dsp:grpSpPr/>
-    <dsp:sp modelId="{3BDA1A5A-6E70-42FF-9B96-2A768E2D3835}">
-      <dsp:nvSpPr>
-        <dsp:cNvPr id="0" name=""/>
-        <dsp:cNvSpPr/>
-      </dsp:nvSpPr>
-      <dsp:spPr>
-        <a:xfrm>
-          <a:off x="4452" y="576065"/>
-          <a:ext cx="3783362" cy="504051"/>
-        </a:xfrm>
-        <a:prstGeom prst="chevron">
-          <a:avLst/>
-        </a:prstGeom>
-        <a:gradFill flip="none" rotWithShape="0">
-          <a:gsLst>
-            <a:gs pos="0">
-              <a:schemeClr val="accent1">
-                <a:shade val="30000"/>
-                <a:satMod val="115000"/>
-              </a:schemeClr>
-            </a:gs>
-            <a:gs pos="50000">
-              <a:schemeClr val="accent1">
-                <a:shade val="67500"/>
-                <a:satMod val="115000"/>
-              </a:schemeClr>
-            </a:gs>
-            <a:gs pos="100000">
-              <a:schemeClr val="accent1">
-                <a:shade val="100000"/>
-                <a:satMod val="115000"/>
-              </a:schemeClr>
-            </a:gs>
-          </a:gsLst>
-          <a:lin ang="5400000" scaled="1"/>
-          <a:tileRect/>
-        </a:gradFill>
-        <a:ln w="12700" cap="flat" cmpd="sng" algn="ctr">
-          <a:solidFill>
-            <a:sysClr val="window" lastClr="FFFFFF">
-              <a:hueOff val="0"/>
-              <a:satOff val="0"/>
-              <a:lumOff val="0"/>
-              <a:alphaOff val="0"/>
-            </a:sysClr>
-          </a:solidFill>
-          <a:prstDash val="solid"/>
-        </a:ln>
-        <a:effectLst/>
-      </dsp:spPr>
-      <dsp:style>
-        <a:lnRef idx="2">
-          <a:scrgbClr r="0" g="0" b="0"/>
-        </a:lnRef>
-        <a:fillRef idx="1">
-          <a:scrgbClr r="0" g="0" b="0"/>
-        </a:fillRef>
-        <a:effectRef idx="0">
-          <a:scrgbClr r="0" g="0" b="0"/>
-        </a:effectRef>
-        <a:fontRef idx="minor">
-          <a:schemeClr val="lt1"/>
-        </a:fontRef>
-      </dsp:style>
-      <dsp:txBody>
-        <a:bodyPr spcFirstLastPara="0" vert="horz" wrap="square" lIns="30480" tIns="15240" rIns="0" bIns="15240" numCol="1" spcCol="1270" anchor="ctr" anchorCtr="0">
-          <a:noAutofit/>
-          <a:scene3d>
-            <a:camera prst="orthographicFront"/>
-            <a:lightRig rig="soft" dir="tl">
-              <a:rot lat="0" lon="0" rev="0"/>
-            </a:lightRig>
-          </a:scene3d>
-          <a:sp3d contourW="25400" prstMaterial="matte">
-            <a:contourClr>
-              <a:schemeClr val="accent2">
-                <a:tint val="20000"/>
-              </a:schemeClr>
-            </a:contourClr>
-          </a:sp3d>
-        </a:bodyPr>
-        <a:lstStyle/>
-        <a:p>
-          <a:pPr lvl="0" algn="ctr" defTabSz="1066800">
-            <a:lnSpc>
-              <a:spcPct val="90000"/>
-            </a:lnSpc>
-            <a:spcBef>
-              <a:spcPct val="0"/>
-            </a:spcBef>
-            <a:spcAft>
-              <a:spcPct val="35000"/>
-            </a:spcAft>
-          </a:pPr>
-          <a:r>
-            <a:rPr lang="pt-BR" sz="2400" b="0" kern="1200" cap="none" spc="0" dirty="0" smtClean="0">
-              <a:ln w="18415" cmpd="sng">
-                <a:solidFill>
-                  <a:sysClr val="window" lastClr="FFFFFF"/>
-                </a:solidFill>
-                <a:prstDash val="solid"/>
-              </a:ln>
-              <a:solidFill>
-                <a:sysClr val="window" lastClr="FFFFFF"/>
-              </a:solidFill>
-              <a:effectLst>
-                <a:outerShdw blurRad="63500" dir="3600000" algn="tl" rotWithShape="0">
-                  <a:srgbClr val="000000">
-                    <a:alpha val="70000"/>
-                  </a:srgbClr>
-                </a:outerShdw>
-              </a:effectLst>
-              <a:latin typeface="Gill Sans MT"/>
-              <a:ea typeface="+mn-ea"/>
-              <a:cs typeface="+mn-cs"/>
-            </a:rPr>
-            <a:t>4 - Conclusão</a:t>
-          </a:r>
-          <a:endParaRPr lang="pt-BR" sz="2400" b="0" kern="1200" cap="none" spc="0" dirty="0">
-            <a:ln w="18415" cmpd="sng">
-              <a:solidFill>
-                <a:sysClr val="window" lastClr="FFFFFF"/>
-              </a:solidFill>
-              <a:prstDash val="solid"/>
-            </a:ln>
-            <a:solidFill>
-              <a:sysClr val="window" lastClr="FFFFFF"/>
-            </a:solidFill>
-            <a:effectLst>
-              <a:outerShdw blurRad="63500" dir="3600000" algn="tl" rotWithShape="0">
-                <a:srgbClr val="000000">
-                  <a:alpha val="70000"/>
-                </a:srgbClr>
-              </a:outerShdw>
-            </a:effectLst>
-            <a:latin typeface="Gill Sans MT"/>
-            <a:ea typeface="+mn-ea"/>
-            <a:cs typeface="+mn-cs"/>
-          </a:endParaRPr>
-        </a:p>
-      </dsp:txBody>
-      <dsp:txXfrm>
-        <a:off x="256478" y="576065"/>
-        <a:ext cx="3279311" cy="504051"/>
-      </dsp:txXfrm>
-    </dsp:sp>
-    <dsp:sp modelId="{DCBC4AA7-5B34-4058-8DCE-45073067BFBC}">
-      <dsp:nvSpPr>
-        <dsp:cNvPr id="0" name=""/>
-        <dsp:cNvSpPr/>
-      </dsp:nvSpPr>
-      <dsp:spPr>
-        <a:xfrm>
-          <a:off x="3142232" y="618910"/>
-          <a:ext cx="4774195" cy="418362"/>
-        </a:xfrm>
-        <a:prstGeom prst="chevron">
-          <a:avLst/>
-        </a:prstGeom>
-        <a:solidFill>
-          <a:srgbClr val="4E67C8">
-            <a:alpha val="90000"/>
-            <a:tint val="40000"/>
-            <a:hueOff val="0"/>
-            <a:satOff val="0"/>
-            <a:lumOff val="0"/>
-            <a:alphaOff val="0"/>
-          </a:srgbClr>
-        </a:solidFill>
-        <a:ln w="12700" cap="flat" cmpd="sng" algn="ctr">
-          <a:solidFill>
-            <a:srgbClr val="4E67C8">
-              <a:alpha val="90000"/>
-              <a:tint val="40000"/>
-              <a:hueOff val="0"/>
-              <a:satOff val="0"/>
-              <a:lumOff val="0"/>
-              <a:alphaOff val="0"/>
-            </a:srgbClr>
-          </a:solidFill>
-          <a:prstDash val="solid"/>
-        </a:ln>
-        <a:effectLst/>
-      </dsp:spPr>
-      <dsp:style>
-        <a:lnRef idx="2">
-          <a:scrgbClr r="0" g="0" b="0"/>
-        </a:lnRef>
-        <a:fillRef idx="1">
-          <a:scrgbClr r="0" g="0" b="0"/>
-        </a:fillRef>
-        <a:effectRef idx="0">
-          <a:scrgbClr r="0" g="0" b="0"/>
-        </a:effectRef>
-        <a:fontRef idx="minor"/>
-      </dsp:style>
-      <dsp:txBody>
-        <a:bodyPr spcFirstLastPara="0" vert="horz" wrap="square" lIns="30480" tIns="15240" rIns="0" bIns="15240" numCol="1" spcCol="1270" anchor="ctr" anchorCtr="0">
-          <a:noAutofit/>
-        </a:bodyPr>
-        <a:lstStyle/>
-        <a:p>
-          <a:pPr lvl="0" algn="ctr" defTabSz="1066800">
-            <a:lnSpc>
-              <a:spcPct val="90000"/>
-            </a:lnSpc>
-            <a:spcBef>
-              <a:spcPct val="0"/>
-            </a:spcBef>
-            <a:spcAft>
-              <a:spcPct val="35000"/>
-            </a:spcAft>
-          </a:pPr>
-          <a:r>
-            <a:rPr lang="pt-BR" sz="2400" kern="1200" dirty="0" smtClean="0">
-              <a:solidFill>
-                <a:sysClr val="windowText" lastClr="000000">
-                  <a:hueOff val="0"/>
-                  <a:satOff val="0"/>
-                  <a:lumOff val="0"/>
-                  <a:alphaOff val="0"/>
-                </a:sysClr>
-              </a:solidFill>
-              <a:latin typeface="Gill Sans MT"/>
-              <a:ea typeface="+mn-ea"/>
-              <a:cs typeface="+mn-cs"/>
-            </a:rPr>
-            <a:t>Trabalhos Futuros</a:t>
-          </a:r>
-          <a:endParaRPr lang="pt-BR" sz="2400" kern="1200" dirty="0">
-            <a:solidFill>
-              <a:sysClr val="windowText" lastClr="000000">
-                <a:hueOff val="0"/>
-                <a:satOff val="0"/>
-                <a:lumOff val="0"/>
-                <a:alphaOff val="0"/>
-              </a:sysClr>
-            </a:solidFill>
-            <a:latin typeface="Gill Sans MT"/>
-            <a:ea typeface="+mn-ea"/>
-            <a:cs typeface="+mn-cs"/>
-          </a:endParaRPr>
-        </a:p>
-      </dsp:txBody>
-      <dsp:txXfrm>
-        <a:off x="3351413" y="618910"/>
-        <a:ext cx="4355833" cy="418362"/>
-      </dsp:txXfrm>
-    </dsp:sp>
   </dsp:spTree>
 </dsp:drawing>
 </file>
@@ -18560,255 +17002,6 @@
       <dsp:cNvGrpSpPr/>
     </dsp:nvGrpSpPr>
     <dsp:grpSpPr/>
-    <dsp:sp modelId="{3BDA1A5A-6E70-42FF-9B96-2A768E2D3835}">
-      <dsp:nvSpPr>
-        <dsp:cNvPr id="0" name=""/>
-        <dsp:cNvSpPr/>
-      </dsp:nvSpPr>
-      <dsp:spPr>
-        <a:xfrm>
-          <a:off x="4452" y="576065"/>
-          <a:ext cx="3783362" cy="504051"/>
-        </a:xfrm>
-        <a:prstGeom prst="chevron">
-          <a:avLst/>
-        </a:prstGeom>
-        <a:gradFill flip="none" rotWithShape="0">
-          <a:gsLst>
-            <a:gs pos="0">
-              <a:schemeClr val="accent1">
-                <a:shade val="30000"/>
-                <a:satMod val="115000"/>
-              </a:schemeClr>
-            </a:gs>
-            <a:gs pos="50000">
-              <a:schemeClr val="accent1">
-                <a:shade val="67500"/>
-                <a:satMod val="115000"/>
-              </a:schemeClr>
-            </a:gs>
-            <a:gs pos="100000">
-              <a:schemeClr val="accent1">
-                <a:shade val="100000"/>
-                <a:satMod val="115000"/>
-              </a:schemeClr>
-            </a:gs>
-          </a:gsLst>
-          <a:lin ang="5400000" scaled="1"/>
-          <a:tileRect/>
-        </a:gradFill>
-        <a:ln w="12700" cap="flat" cmpd="sng" algn="ctr">
-          <a:solidFill>
-            <a:sysClr val="window" lastClr="FFFFFF">
-              <a:hueOff val="0"/>
-              <a:satOff val="0"/>
-              <a:lumOff val="0"/>
-              <a:alphaOff val="0"/>
-            </a:sysClr>
-          </a:solidFill>
-          <a:prstDash val="solid"/>
-        </a:ln>
-        <a:effectLst/>
-      </dsp:spPr>
-      <dsp:style>
-        <a:lnRef idx="2">
-          <a:scrgbClr r="0" g="0" b="0"/>
-        </a:lnRef>
-        <a:fillRef idx="1">
-          <a:scrgbClr r="0" g="0" b="0"/>
-        </a:fillRef>
-        <a:effectRef idx="0">
-          <a:scrgbClr r="0" g="0" b="0"/>
-        </a:effectRef>
-        <a:fontRef idx="minor">
-          <a:schemeClr val="lt1"/>
-        </a:fontRef>
-      </dsp:style>
-      <dsp:txBody>
-        <a:bodyPr spcFirstLastPara="0" vert="horz" wrap="square" lIns="30480" tIns="15240" rIns="0" bIns="15240" numCol="1" spcCol="1270" anchor="ctr" anchorCtr="0">
-          <a:noAutofit/>
-          <a:scene3d>
-            <a:camera prst="orthographicFront"/>
-            <a:lightRig rig="soft" dir="tl">
-              <a:rot lat="0" lon="0" rev="0"/>
-            </a:lightRig>
-          </a:scene3d>
-          <a:sp3d contourW="25400" prstMaterial="matte">
-            <a:contourClr>
-              <a:schemeClr val="accent2">
-                <a:tint val="20000"/>
-              </a:schemeClr>
-            </a:contourClr>
-          </a:sp3d>
-        </a:bodyPr>
-        <a:lstStyle/>
-        <a:p>
-          <a:pPr lvl="0" algn="ctr" defTabSz="1066800">
-            <a:lnSpc>
-              <a:spcPct val="90000"/>
-            </a:lnSpc>
-            <a:spcBef>
-              <a:spcPct val="0"/>
-            </a:spcBef>
-            <a:spcAft>
-              <a:spcPct val="35000"/>
-            </a:spcAft>
-          </a:pPr>
-          <a:r>
-            <a:rPr lang="pt-BR" sz="2400" b="0" kern="1200" cap="none" spc="0" dirty="0" smtClean="0">
-              <a:ln w="18415" cmpd="sng">
-                <a:solidFill>
-                  <a:sysClr val="window" lastClr="FFFFFF"/>
-                </a:solidFill>
-                <a:prstDash val="solid"/>
-              </a:ln>
-              <a:solidFill>
-                <a:sysClr val="window" lastClr="FFFFFF"/>
-              </a:solidFill>
-              <a:effectLst>
-                <a:outerShdw blurRad="63500" dir="3600000" algn="tl" rotWithShape="0">
-                  <a:srgbClr val="000000">
-                    <a:alpha val="70000"/>
-                  </a:srgbClr>
-                </a:outerShdw>
-              </a:effectLst>
-              <a:latin typeface="Gill Sans MT"/>
-              <a:ea typeface="+mn-ea"/>
-              <a:cs typeface="+mn-cs"/>
-            </a:rPr>
-            <a:t>1- INTRODUÇÃO</a:t>
-          </a:r>
-          <a:endParaRPr lang="pt-BR" sz="2400" b="0" kern="1200" cap="none" spc="0" dirty="0">
-            <a:ln w="18415" cmpd="sng">
-              <a:solidFill>
-                <a:sysClr val="window" lastClr="FFFFFF"/>
-              </a:solidFill>
-              <a:prstDash val="solid"/>
-            </a:ln>
-            <a:solidFill>
-              <a:sysClr val="window" lastClr="FFFFFF"/>
-            </a:solidFill>
-            <a:effectLst>
-              <a:outerShdw blurRad="63500" dir="3600000" algn="tl" rotWithShape="0">
-                <a:srgbClr val="000000">
-                  <a:alpha val="70000"/>
-                </a:srgbClr>
-              </a:outerShdw>
-            </a:effectLst>
-            <a:latin typeface="Gill Sans MT"/>
-            <a:ea typeface="+mn-ea"/>
-            <a:cs typeface="+mn-cs"/>
-          </a:endParaRPr>
-        </a:p>
-      </dsp:txBody>
-      <dsp:txXfrm>
-        <a:off x="256478" y="576065"/>
-        <a:ext cx="3279311" cy="504051"/>
-      </dsp:txXfrm>
-    </dsp:sp>
-    <dsp:sp modelId="{DCBC4AA7-5B34-4058-8DCE-45073067BFBC}">
-      <dsp:nvSpPr>
-        <dsp:cNvPr id="0" name=""/>
-        <dsp:cNvSpPr/>
-      </dsp:nvSpPr>
-      <dsp:spPr>
-        <a:xfrm>
-          <a:off x="3142232" y="618910"/>
-          <a:ext cx="4774195" cy="418362"/>
-        </a:xfrm>
-        <a:prstGeom prst="chevron">
-          <a:avLst/>
-        </a:prstGeom>
-        <a:solidFill>
-          <a:srgbClr val="4E67C8">
-            <a:alpha val="90000"/>
-            <a:tint val="40000"/>
-            <a:hueOff val="0"/>
-            <a:satOff val="0"/>
-            <a:lumOff val="0"/>
-            <a:alphaOff val="0"/>
-          </a:srgbClr>
-        </a:solidFill>
-        <a:ln w="12700" cap="flat" cmpd="sng" algn="ctr">
-          <a:solidFill>
-            <a:srgbClr val="4E67C8">
-              <a:alpha val="90000"/>
-              <a:tint val="40000"/>
-              <a:hueOff val="0"/>
-              <a:satOff val="0"/>
-              <a:lumOff val="0"/>
-              <a:alphaOff val="0"/>
-            </a:srgbClr>
-          </a:solidFill>
-          <a:prstDash val="solid"/>
-        </a:ln>
-        <a:effectLst/>
-      </dsp:spPr>
-      <dsp:style>
-        <a:lnRef idx="2">
-          <a:scrgbClr r="0" g="0" b="0"/>
-        </a:lnRef>
-        <a:fillRef idx="1">
-          <a:scrgbClr r="0" g="0" b="0"/>
-        </a:fillRef>
-        <a:effectRef idx="0">
-          <a:scrgbClr r="0" g="0" b="0"/>
-        </a:effectRef>
-        <a:fontRef idx="minor"/>
-      </dsp:style>
-      <dsp:txBody>
-        <a:bodyPr spcFirstLastPara="0" vert="horz" wrap="square" lIns="30480" tIns="15240" rIns="0" bIns="15240" numCol="1" spcCol="1270" anchor="ctr" anchorCtr="0">
-          <a:noAutofit/>
-        </a:bodyPr>
-        <a:lstStyle/>
-        <a:p>
-          <a:pPr lvl="0" algn="ctr" defTabSz="1066800">
-            <a:lnSpc>
-              <a:spcPct val="90000"/>
-            </a:lnSpc>
-            <a:spcBef>
-              <a:spcPct val="0"/>
-            </a:spcBef>
-            <a:spcAft>
-              <a:spcPct val="35000"/>
-            </a:spcAft>
-          </a:pPr>
-          <a:r>
-            <a:rPr lang="pt-BR" sz="2400" kern="1200" dirty="0" smtClean="0">
-              <a:solidFill>
-                <a:sysClr val="windowText" lastClr="000000">
-                  <a:hueOff val="0"/>
-                  <a:satOff val="0"/>
-                  <a:lumOff val="0"/>
-                  <a:alphaOff val="0"/>
-                </a:sysClr>
-              </a:solidFill>
-              <a:latin typeface="Gill Sans MT"/>
-              <a:ea typeface="+mn-ea"/>
-              <a:cs typeface="+mn-cs"/>
-            </a:rPr>
-            <a:t>Objetivos</a:t>
-          </a:r>
-          <a:endParaRPr lang="pt-BR" sz="2400" kern="1200" dirty="0">
-            <a:solidFill>
-              <a:sysClr val="windowText" lastClr="000000">
-                <a:hueOff val="0"/>
-                <a:satOff val="0"/>
-                <a:lumOff val="0"/>
-                <a:alphaOff val="0"/>
-              </a:sysClr>
-            </a:solidFill>
-            <a:latin typeface="Gill Sans MT"/>
-            <a:ea typeface="+mn-ea"/>
-            <a:cs typeface="+mn-cs"/>
-          </a:endParaRPr>
-        </a:p>
-      </dsp:txBody>
-      <dsp:txXfrm>
-        <a:off x="3351413" y="618910"/>
-        <a:ext cx="4355833" cy="418362"/>
-      </dsp:txXfrm>
-    </dsp:sp>
   </dsp:spTree>
 </dsp:drawing>
 </file>
@@ -18821,255 +17014,6 @@
       <dsp:cNvGrpSpPr/>
     </dsp:nvGrpSpPr>
     <dsp:grpSpPr/>
-    <dsp:sp modelId="{3BDA1A5A-6E70-42FF-9B96-2A768E2D3835}">
-      <dsp:nvSpPr>
-        <dsp:cNvPr id="0" name=""/>
-        <dsp:cNvSpPr/>
-      </dsp:nvSpPr>
-      <dsp:spPr>
-        <a:xfrm>
-          <a:off x="4452" y="576065"/>
-          <a:ext cx="3783362" cy="504051"/>
-        </a:xfrm>
-        <a:prstGeom prst="chevron">
-          <a:avLst/>
-        </a:prstGeom>
-        <a:gradFill flip="none" rotWithShape="0">
-          <a:gsLst>
-            <a:gs pos="0">
-              <a:schemeClr val="accent1">
-                <a:shade val="30000"/>
-                <a:satMod val="115000"/>
-              </a:schemeClr>
-            </a:gs>
-            <a:gs pos="50000">
-              <a:schemeClr val="accent1">
-                <a:shade val="67500"/>
-                <a:satMod val="115000"/>
-              </a:schemeClr>
-            </a:gs>
-            <a:gs pos="100000">
-              <a:schemeClr val="accent1">
-                <a:shade val="100000"/>
-                <a:satMod val="115000"/>
-              </a:schemeClr>
-            </a:gs>
-          </a:gsLst>
-          <a:lin ang="5400000" scaled="1"/>
-          <a:tileRect/>
-        </a:gradFill>
-        <a:ln w="12700" cap="flat" cmpd="sng" algn="ctr">
-          <a:solidFill>
-            <a:sysClr val="window" lastClr="FFFFFF">
-              <a:hueOff val="0"/>
-              <a:satOff val="0"/>
-              <a:lumOff val="0"/>
-              <a:alphaOff val="0"/>
-            </a:sysClr>
-          </a:solidFill>
-          <a:prstDash val="solid"/>
-        </a:ln>
-        <a:effectLst/>
-      </dsp:spPr>
-      <dsp:style>
-        <a:lnRef idx="2">
-          <a:scrgbClr r="0" g="0" b="0"/>
-        </a:lnRef>
-        <a:fillRef idx="1">
-          <a:scrgbClr r="0" g="0" b="0"/>
-        </a:fillRef>
-        <a:effectRef idx="0">
-          <a:scrgbClr r="0" g="0" b="0"/>
-        </a:effectRef>
-        <a:fontRef idx="minor">
-          <a:schemeClr val="lt1"/>
-        </a:fontRef>
-      </dsp:style>
-      <dsp:txBody>
-        <a:bodyPr spcFirstLastPara="0" vert="horz" wrap="square" lIns="30480" tIns="15240" rIns="0" bIns="15240" numCol="1" spcCol="1270" anchor="ctr" anchorCtr="0">
-          <a:noAutofit/>
-          <a:scene3d>
-            <a:camera prst="orthographicFront"/>
-            <a:lightRig rig="soft" dir="tl">
-              <a:rot lat="0" lon="0" rev="0"/>
-            </a:lightRig>
-          </a:scene3d>
-          <a:sp3d contourW="25400" prstMaterial="matte">
-            <a:contourClr>
-              <a:schemeClr val="accent2">
-                <a:tint val="20000"/>
-              </a:schemeClr>
-            </a:contourClr>
-          </a:sp3d>
-        </a:bodyPr>
-        <a:lstStyle/>
-        <a:p>
-          <a:pPr lvl="0" algn="ctr" defTabSz="1066800">
-            <a:lnSpc>
-              <a:spcPct val="90000"/>
-            </a:lnSpc>
-            <a:spcBef>
-              <a:spcPct val="0"/>
-            </a:spcBef>
-            <a:spcAft>
-              <a:spcPct val="35000"/>
-            </a:spcAft>
-          </a:pPr>
-          <a:r>
-            <a:rPr lang="pt-BR" sz="2400" b="0" kern="1200" cap="none" spc="0" dirty="0" smtClean="0">
-              <a:ln w="18415" cmpd="sng">
-                <a:solidFill>
-                  <a:sysClr val="window" lastClr="FFFFFF"/>
-                </a:solidFill>
-                <a:prstDash val="solid"/>
-              </a:ln>
-              <a:solidFill>
-                <a:sysClr val="window" lastClr="FFFFFF"/>
-              </a:solidFill>
-              <a:effectLst>
-                <a:outerShdw blurRad="63500" dir="3600000" algn="tl" rotWithShape="0">
-                  <a:srgbClr val="000000">
-                    <a:alpha val="70000"/>
-                  </a:srgbClr>
-                </a:outerShdw>
-              </a:effectLst>
-              <a:latin typeface="Gill Sans MT"/>
-              <a:ea typeface="+mn-ea"/>
-              <a:cs typeface="+mn-cs"/>
-            </a:rPr>
-            <a:t>1 - INTRODUÇÃO</a:t>
-          </a:r>
-          <a:endParaRPr lang="pt-BR" sz="2400" b="0" kern="1200" cap="none" spc="0" dirty="0">
-            <a:ln w="18415" cmpd="sng">
-              <a:solidFill>
-                <a:sysClr val="window" lastClr="FFFFFF"/>
-              </a:solidFill>
-              <a:prstDash val="solid"/>
-            </a:ln>
-            <a:solidFill>
-              <a:sysClr val="window" lastClr="FFFFFF"/>
-            </a:solidFill>
-            <a:effectLst>
-              <a:outerShdw blurRad="63500" dir="3600000" algn="tl" rotWithShape="0">
-                <a:srgbClr val="000000">
-                  <a:alpha val="70000"/>
-                </a:srgbClr>
-              </a:outerShdw>
-            </a:effectLst>
-            <a:latin typeface="Gill Sans MT"/>
-            <a:ea typeface="+mn-ea"/>
-            <a:cs typeface="+mn-cs"/>
-          </a:endParaRPr>
-        </a:p>
-      </dsp:txBody>
-      <dsp:txXfrm>
-        <a:off x="256478" y="576065"/>
-        <a:ext cx="3279311" cy="504051"/>
-      </dsp:txXfrm>
-    </dsp:sp>
-    <dsp:sp modelId="{DCBC4AA7-5B34-4058-8DCE-45073067BFBC}">
-      <dsp:nvSpPr>
-        <dsp:cNvPr id="0" name=""/>
-        <dsp:cNvSpPr/>
-      </dsp:nvSpPr>
-      <dsp:spPr>
-        <a:xfrm>
-          <a:off x="3142232" y="618910"/>
-          <a:ext cx="4774195" cy="418362"/>
-        </a:xfrm>
-        <a:prstGeom prst="chevron">
-          <a:avLst/>
-        </a:prstGeom>
-        <a:solidFill>
-          <a:srgbClr val="4E67C8">
-            <a:alpha val="90000"/>
-            <a:tint val="40000"/>
-            <a:hueOff val="0"/>
-            <a:satOff val="0"/>
-            <a:lumOff val="0"/>
-            <a:alphaOff val="0"/>
-          </a:srgbClr>
-        </a:solidFill>
-        <a:ln w="12700" cap="flat" cmpd="sng" algn="ctr">
-          <a:solidFill>
-            <a:srgbClr val="4E67C8">
-              <a:alpha val="90000"/>
-              <a:tint val="40000"/>
-              <a:hueOff val="0"/>
-              <a:satOff val="0"/>
-              <a:lumOff val="0"/>
-              <a:alphaOff val="0"/>
-            </a:srgbClr>
-          </a:solidFill>
-          <a:prstDash val="solid"/>
-        </a:ln>
-        <a:effectLst/>
-      </dsp:spPr>
-      <dsp:style>
-        <a:lnRef idx="2">
-          <a:scrgbClr r="0" g="0" b="0"/>
-        </a:lnRef>
-        <a:fillRef idx="1">
-          <a:scrgbClr r="0" g="0" b="0"/>
-        </a:fillRef>
-        <a:effectRef idx="0">
-          <a:scrgbClr r="0" g="0" b="0"/>
-        </a:effectRef>
-        <a:fontRef idx="minor"/>
-      </dsp:style>
-      <dsp:txBody>
-        <a:bodyPr spcFirstLastPara="0" vert="horz" wrap="square" lIns="30480" tIns="15240" rIns="0" bIns="15240" numCol="1" spcCol="1270" anchor="ctr" anchorCtr="0">
-          <a:noAutofit/>
-        </a:bodyPr>
-        <a:lstStyle/>
-        <a:p>
-          <a:pPr lvl="0" algn="ctr" defTabSz="1066800">
-            <a:lnSpc>
-              <a:spcPct val="90000"/>
-            </a:lnSpc>
-            <a:spcBef>
-              <a:spcPct val="0"/>
-            </a:spcBef>
-            <a:spcAft>
-              <a:spcPct val="35000"/>
-            </a:spcAft>
-          </a:pPr>
-          <a:r>
-            <a:rPr lang="pt-BR" sz="2400" kern="1200" dirty="0" smtClean="0">
-              <a:solidFill>
-                <a:sysClr val="windowText" lastClr="000000">
-                  <a:hueOff val="0"/>
-                  <a:satOff val="0"/>
-                  <a:lumOff val="0"/>
-                  <a:alphaOff val="0"/>
-                </a:sysClr>
-              </a:solidFill>
-              <a:latin typeface="Gill Sans MT"/>
-              <a:ea typeface="+mn-ea"/>
-              <a:cs typeface="+mn-cs"/>
-            </a:rPr>
-            <a:t>Objetivos</a:t>
-          </a:r>
-          <a:endParaRPr lang="pt-BR" sz="2400" kern="1200" dirty="0">
-            <a:solidFill>
-              <a:sysClr val="windowText" lastClr="000000">
-                <a:hueOff val="0"/>
-                <a:satOff val="0"/>
-                <a:lumOff val="0"/>
-                <a:alphaOff val="0"/>
-              </a:sysClr>
-            </a:solidFill>
-            <a:latin typeface="Gill Sans MT"/>
-            <a:ea typeface="+mn-ea"/>
-            <a:cs typeface="+mn-cs"/>
-          </a:endParaRPr>
-        </a:p>
-      </dsp:txBody>
-      <dsp:txXfrm>
-        <a:off x="3351413" y="618910"/>
-        <a:ext cx="4355833" cy="418362"/>
-      </dsp:txXfrm>
-    </dsp:sp>
   </dsp:spTree>
 </dsp:drawing>
 </file>
@@ -19082,239 +17026,6 @@
       <dsp:cNvGrpSpPr/>
     </dsp:nvGrpSpPr>
     <dsp:grpSpPr/>
-    <dsp:sp modelId="{3BDA1A5A-6E70-42FF-9B96-2A768E2D3835}">
-      <dsp:nvSpPr>
-        <dsp:cNvPr id="0" name=""/>
-        <dsp:cNvSpPr/>
-      </dsp:nvSpPr>
-      <dsp:spPr>
-        <a:xfrm>
-          <a:off x="4452" y="576065"/>
-          <a:ext cx="3783362" cy="504051"/>
-        </a:xfrm>
-        <a:prstGeom prst="chevron">
-          <a:avLst/>
-        </a:prstGeom>
-        <a:gradFill flip="none" rotWithShape="0">
-          <a:gsLst>
-            <a:gs pos="0">
-              <a:schemeClr val="accent1">
-                <a:shade val="30000"/>
-                <a:satMod val="115000"/>
-              </a:schemeClr>
-            </a:gs>
-            <a:gs pos="50000">
-              <a:schemeClr val="accent1">
-                <a:shade val="67500"/>
-                <a:satMod val="115000"/>
-              </a:schemeClr>
-            </a:gs>
-            <a:gs pos="100000">
-              <a:schemeClr val="accent1">
-                <a:shade val="100000"/>
-                <a:satMod val="115000"/>
-              </a:schemeClr>
-            </a:gs>
-          </a:gsLst>
-          <a:lin ang="5400000" scaled="1"/>
-          <a:tileRect/>
-        </a:gradFill>
-        <a:ln w="12700" cap="flat" cmpd="sng" algn="ctr">
-          <a:solidFill>
-            <a:sysClr val="window" lastClr="FFFFFF">
-              <a:hueOff val="0"/>
-              <a:satOff val="0"/>
-              <a:lumOff val="0"/>
-              <a:alphaOff val="0"/>
-            </a:sysClr>
-          </a:solidFill>
-          <a:prstDash val="solid"/>
-        </a:ln>
-        <a:effectLst/>
-      </dsp:spPr>
-      <dsp:style>
-        <a:lnRef idx="2">
-          <a:scrgbClr r="0" g="0" b="0"/>
-        </a:lnRef>
-        <a:fillRef idx="1">
-          <a:scrgbClr r="0" g="0" b="0"/>
-        </a:fillRef>
-        <a:effectRef idx="0">
-          <a:scrgbClr r="0" g="0" b="0"/>
-        </a:effectRef>
-        <a:fontRef idx="minor">
-          <a:schemeClr val="lt1"/>
-        </a:fontRef>
-      </dsp:style>
-      <dsp:txBody>
-        <a:bodyPr spcFirstLastPara="0" vert="horz" wrap="square" lIns="30480" tIns="15240" rIns="0" bIns="15240" numCol="1" spcCol="1270" anchor="ctr" anchorCtr="0">
-          <a:noAutofit/>
-          <a:scene3d>
-            <a:camera prst="orthographicFront"/>
-            <a:lightRig rig="soft" dir="tl">
-              <a:rot lat="0" lon="0" rev="0"/>
-            </a:lightRig>
-          </a:scene3d>
-          <a:sp3d contourW="25400" prstMaterial="matte">
-            <a:contourClr>
-              <a:schemeClr val="accent2">
-                <a:tint val="20000"/>
-              </a:schemeClr>
-            </a:contourClr>
-          </a:sp3d>
-        </a:bodyPr>
-        <a:lstStyle/>
-        <a:p>
-          <a:pPr lvl="0" algn="ctr" defTabSz="1066800">
-            <a:lnSpc>
-              <a:spcPct val="90000"/>
-            </a:lnSpc>
-            <a:spcBef>
-              <a:spcPct val="0"/>
-            </a:spcBef>
-            <a:spcAft>
-              <a:spcPct val="35000"/>
-            </a:spcAft>
-          </a:pPr>
-          <a:r>
-            <a:rPr lang="pt-BR" sz="2400" b="0" kern="1200" cap="none" spc="0" dirty="0" smtClean="0">
-              <a:ln w="18415" cmpd="sng">
-                <a:solidFill>
-                  <a:sysClr val="window" lastClr="FFFFFF"/>
-                </a:solidFill>
-                <a:prstDash val="solid"/>
-              </a:ln>
-              <a:solidFill>
-                <a:sysClr val="window" lastClr="FFFFFF"/>
-              </a:solidFill>
-              <a:effectLst>
-                <a:outerShdw blurRad="63500" dir="3600000" algn="tl" rotWithShape="0">
-                  <a:srgbClr val="000000">
-                    <a:alpha val="70000"/>
-                  </a:srgbClr>
-                </a:outerShdw>
-              </a:effectLst>
-              <a:latin typeface="Gill Sans MT"/>
-              <a:ea typeface="+mn-ea"/>
-              <a:cs typeface="+mn-cs"/>
-            </a:rPr>
-            <a:t>2 - Proposta</a:t>
-          </a:r>
-          <a:endParaRPr lang="pt-BR" sz="2400" b="0" kern="1200" cap="none" spc="0" dirty="0">
-            <a:ln w="18415" cmpd="sng">
-              <a:solidFill>
-                <a:sysClr val="window" lastClr="FFFFFF"/>
-              </a:solidFill>
-              <a:prstDash val="solid"/>
-            </a:ln>
-            <a:solidFill>
-              <a:sysClr val="window" lastClr="FFFFFF"/>
-            </a:solidFill>
-            <a:effectLst>
-              <a:outerShdw blurRad="63500" dir="3600000" algn="tl" rotWithShape="0">
-                <a:srgbClr val="000000">
-                  <a:alpha val="70000"/>
-                </a:srgbClr>
-              </a:outerShdw>
-            </a:effectLst>
-            <a:latin typeface="Gill Sans MT"/>
-            <a:ea typeface="+mn-ea"/>
-            <a:cs typeface="+mn-cs"/>
-          </a:endParaRPr>
-        </a:p>
-      </dsp:txBody>
-      <dsp:txXfrm>
-        <a:off x="256478" y="576065"/>
-        <a:ext cx="3279311" cy="504051"/>
-      </dsp:txXfrm>
-    </dsp:sp>
-    <dsp:sp modelId="{DCBC4AA7-5B34-4058-8DCE-45073067BFBC}">
-      <dsp:nvSpPr>
-        <dsp:cNvPr id="0" name=""/>
-        <dsp:cNvSpPr/>
-      </dsp:nvSpPr>
-      <dsp:spPr>
-        <a:xfrm>
-          <a:off x="3142232" y="618910"/>
-          <a:ext cx="4774195" cy="418362"/>
-        </a:xfrm>
-        <a:prstGeom prst="chevron">
-          <a:avLst/>
-        </a:prstGeom>
-        <a:solidFill>
-          <a:srgbClr val="4E67C8">
-            <a:alpha val="90000"/>
-            <a:tint val="40000"/>
-            <a:hueOff val="0"/>
-            <a:satOff val="0"/>
-            <a:lumOff val="0"/>
-            <a:alphaOff val="0"/>
-          </a:srgbClr>
-        </a:solidFill>
-        <a:ln w="12700" cap="flat" cmpd="sng" algn="ctr">
-          <a:solidFill>
-            <a:srgbClr val="4E67C8">
-              <a:alpha val="90000"/>
-              <a:tint val="40000"/>
-              <a:hueOff val="0"/>
-              <a:satOff val="0"/>
-              <a:lumOff val="0"/>
-              <a:alphaOff val="0"/>
-            </a:srgbClr>
-          </a:solidFill>
-          <a:prstDash val="solid"/>
-        </a:ln>
-        <a:effectLst/>
-      </dsp:spPr>
-      <dsp:style>
-        <a:lnRef idx="2">
-          <a:scrgbClr r="0" g="0" b="0"/>
-        </a:lnRef>
-        <a:fillRef idx="1">
-          <a:scrgbClr r="0" g="0" b="0"/>
-        </a:fillRef>
-        <a:effectRef idx="0">
-          <a:scrgbClr r="0" g="0" b="0"/>
-        </a:effectRef>
-        <a:fontRef idx="minor"/>
-      </dsp:style>
-      <dsp:txBody>
-        <a:bodyPr spcFirstLastPara="0" vert="horz" wrap="square" lIns="30480" tIns="15240" rIns="0" bIns="15240" numCol="1" spcCol="1270" anchor="ctr" anchorCtr="0">
-          <a:noAutofit/>
-        </a:bodyPr>
-        <a:lstStyle/>
-        <a:p>
-          <a:pPr lvl="0" algn="ctr" defTabSz="1066800">
-            <a:lnSpc>
-              <a:spcPct val="90000"/>
-            </a:lnSpc>
-            <a:spcBef>
-              <a:spcPct val="0"/>
-            </a:spcBef>
-            <a:spcAft>
-              <a:spcPct val="35000"/>
-            </a:spcAft>
-          </a:pPr>
-          <a:endParaRPr lang="pt-BR" sz="2400" kern="1200" dirty="0">
-            <a:solidFill>
-              <a:sysClr val="windowText" lastClr="000000">
-                <a:hueOff val="0"/>
-                <a:satOff val="0"/>
-                <a:lumOff val="0"/>
-                <a:alphaOff val="0"/>
-              </a:sysClr>
-            </a:solidFill>
-            <a:latin typeface="Gill Sans MT"/>
-            <a:ea typeface="+mn-ea"/>
-            <a:cs typeface="+mn-cs"/>
-          </a:endParaRPr>
-        </a:p>
-      </dsp:txBody>
-      <dsp:txXfrm>
-        <a:off x="3351413" y="618910"/>
-        <a:ext cx="4355833" cy="418362"/>
-      </dsp:txXfrm>
-    </dsp:sp>
   </dsp:spTree>
 </dsp:drawing>
 </file>
@@ -19327,255 +17038,6 @@
       <dsp:cNvGrpSpPr/>
     </dsp:nvGrpSpPr>
     <dsp:grpSpPr/>
-    <dsp:sp modelId="{3BDA1A5A-6E70-42FF-9B96-2A768E2D3835}">
-      <dsp:nvSpPr>
-        <dsp:cNvPr id="0" name=""/>
-        <dsp:cNvSpPr/>
-      </dsp:nvSpPr>
-      <dsp:spPr>
-        <a:xfrm>
-          <a:off x="4452" y="576065"/>
-          <a:ext cx="3783362" cy="504051"/>
-        </a:xfrm>
-        <a:prstGeom prst="chevron">
-          <a:avLst/>
-        </a:prstGeom>
-        <a:gradFill flip="none" rotWithShape="0">
-          <a:gsLst>
-            <a:gs pos="0">
-              <a:schemeClr val="accent1">
-                <a:shade val="30000"/>
-                <a:satMod val="115000"/>
-              </a:schemeClr>
-            </a:gs>
-            <a:gs pos="50000">
-              <a:schemeClr val="accent1">
-                <a:shade val="67500"/>
-                <a:satMod val="115000"/>
-              </a:schemeClr>
-            </a:gs>
-            <a:gs pos="100000">
-              <a:schemeClr val="accent1">
-                <a:shade val="100000"/>
-                <a:satMod val="115000"/>
-              </a:schemeClr>
-            </a:gs>
-          </a:gsLst>
-          <a:lin ang="5400000" scaled="1"/>
-          <a:tileRect/>
-        </a:gradFill>
-        <a:ln w="12700" cap="flat" cmpd="sng" algn="ctr">
-          <a:solidFill>
-            <a:sysClr val="window" lastClr="FFFFFF">
-              <a:hueOff val="0"/>
-              <a:satOff val="0"/>
-              <a:lumOff val="0"/>
-              <a:alphaOff val="0"/>
-            </a:sysClr>
-          </a:solidFill>
-          <a:prstDash val="solid"/>
-        </a:ln>
-        <a:effectLst/>
-      </dsp:spPr>
-      <dsp:style>
-        <a:lnRef idx="2">
-          <a:scrgbClr r="0" g="0" b="0"/>
-        </a:lnRef>
-        <a:fillRef idx="1">
-          <a:scrgbClr r="0" g="0" b="0"/>
-        </a:fillRef>
-        <a:effectRef idx="0">
-          <a:scrgbClr r="0" g="0" b="0"/>
-        </a:effectRef>
-        <a:fontRef idx="minor">
-          <a:schemeClr val="lt1"/>
-        </a:fontRef>
-      </dsp:style>
-      <dsp:txBody>
-        <a:bodyPr spcFirstLastPara="0" vert="horz" wrap="square" lIns="30480" tIns="15240" rIns="0" bIns="15240" numCol="1" spcCol="1270" anchor="ctr" anchorCtr="0">
-          <a:noAutofit/>
-          <a:scene3d>
-            <a:camera prst="orthographicFront"/>
-            <a:lightRig rig="soft" dir="tl">
-              <a:rot lat="0" lon="0" rev="0"/>
-            </a:lightRig>
-          </a:scene3d>
-          <a:sp3d contourW="25400" prstMaterial="matte">
-            <a:contourClr>
-              <a:schemeClr val="accent2">
-                <a:tint val="20000"/>
-              </a:schemeClr>
-            </a:contourClr>
-          </a:sp3d>
-        </a:bodyPr>
-        <a:lstStyle/>
-        <a:p>
-          <a:pPr lvl="0" algn="ctr" defTabSz="1066800">
-            <a:lnSpc>
-              <a:spcPct val="90000"/>
-            </a:lnSpc>
-            <a:spcBef>
-              <a:spcPct val="0"/>
-            </a:spcBef>
-            <a:spcAft>
-              <a:spcPct val="35000"/>
-            </a:spcAft>
-          </a:pPr>
-          <a:r>
-            <a:rPr lang="pt-BR" sz="2400" b="0" kern="1200" cap="none" spc="0" dirty="0" smtClean="0">
-              <a:ln w="18415" cmpd="sng">
-                <a:solidFill>
-                  <a:sysClr val="window" lastClr="FFFFFF"/>
-                </a:solidFill>
-                <a:prstDash val="solid"/>
-              </a:ln>
-              <a:solidFill>
-                <a:sysClr val="window" lastClr="FFFFFF"/>
-              </a:solidFill>
-              <a:effectLst>
-                <a:outerShdw blurRad="63500" dir="3600000" algn="tl" rotWithShape="0">
-                  <a:srgbClr val="000000">
-                    <a:alpha val="70000"/>
-                  </a:srgbClr>
-                </a:outerShdw>
-              </a:effectLst>
-              <a:latin typeface="Gill Sans MT"/>
-              <a:ea typeface="+mn-ea"/>
-              <a:cs typeface="+mn-cs"/>
-            </a:rPr>
-            <a:t>3 - Desenvolvimento</a:t>
-          </a:r>
-          <a:endParaRPr lang="pt-BR" sz="2400" b="0" kern="1200" cap="none" spc="0" dirty="0">
-            <a:ln w="18415" cmpd="sng">
-              <a:solidFill>
-                <a:sysClr val="window" lastClr="FFFFFF"/>
-              </a:solidFill>
-              <a:prstDash val="solid"/>
-            </a:ln>
-            <a:solidFill>
-              <a:sysClr val="window" lastClr="FFFFFF"/>
-            </a:solidFill>
-            <a:effectLst>
-              <a:outerShdw blurRad="63500" dir="3600000" algn="tl" rotWithShape="0">
-                <a:srgbClr val="000000">
-                  <a:alpha val="70000"/>
-                </a:srgbClr>
-              </a:outerShdw>
-            </a:effectLst>
-            <a:latin typeface="Gill Sans MT"/>
-            <a:ea typeface="+mn-ea"/>
-            <a:cs typeface="+mn-cs"/>
-          </a:endParaRPr>
-        </a:p>
-      </dsp:txBody>
-      <dsp:txXfrm>
-        <a:off x="256478" y="576065"/>
-        <a:ext cx="3279311" cy="504051"/>
-      </dsp:txXfrm>
-    </dsp:sp>
-    <dsp:sp modelId="{DCBC4AA7-5B34-4058-8DCE-45073067BFBC}">
-      <dsp:nvSpPr>
-        <dsp:cNvPr id="0" name=""/>
-        <dsp:cNvSpPr/>
-      </dsp:nvSpPr>
-      <dsp:spPr>
-        <a:xfrm>
-          <a:off x="3142232" y="618910"/>
-          <a:ext cx="4774195" cy="418362"/>
-        </a:xfrm>
-        <a:prstGeom prst="chevron">
-          <a:avLst/>
-        </a:prstGeom>
-        <a:solidFill>
-          <a:srgbClr val="4E67C8">
-            <a:alpha val="90000"/>
-            <a:tint val="40000"/>
-            <a:hueOff val="0"/>
-            <a:satOff val="0"/>
-            <a:lumOff val="0"/>
-            <a:alphaOff val="0"/>
-          </a:srgbClr>
-        </a:solidFill>
-        <a:ln w="12700" cap="flat" cmpd="sng" algn="ctr">
-          <a:solidFill>
-            <a:srgbClr val="4E67C8">
-              <a:alpha val="90000"/>
-              <a:tint val="40000"/>
-              <a:hueOff val="0"/>
-              <a:satOff val="0"/>
-              <a:lumOff val="0"/>
-              <a:alphaOff val="0"/>
-            </a:srgbClr>
-          </a:solidFill>
-          <a:prstDash val="solid"/>
-        </a:ln>
-        <a:effectLst/>
-      </dsp:spPr>
-      <dsp:style>
-        <a:lnRef idx="2">
-          <a:scrgbClr r="0" g="0" b="0"/>
-        </a:lnRef>
-        <a:fillRef idx="1">
-          <a:scrgbClr r="0" g="0" b="0"/>
-        </a:fillRef>
-        <a:effectRef idx="0">
-          <a:scrgbClr r="0" g="0" b="0"/>
-        </a:effectRef>
-        <a:fontRef idx="minor"/>
-      </dsp:style>
-      <dsp:txBody>
-        <a:bodyPr spcFirstLastPara="0" vert="horz" wrap="square" lIns="30480" tIns="15240" rIns="0" bIns="15240" numCol="1" spcCol="1270" anchor="ctr" anchorCtr="0">
-          <a:noAutofit/>
-        </a:bodyPr>
-        <a:lstStyle/>
-        <a:p>
-          <a:pPr lvl="0" algn="ctr" defTabSz="1066800">
-            <a:lnSpc>
-              <a:spcPct val="90000"/>
-            </a:lnSpc>
-            <a:spcBef>
-              <a:spcPct val="0"/>
-            </a:spcBef>
-            <a:spcAft>
-              <a:spcPct val="35000"/>
-            </a:spcAft>
-          </a:pPr>
-          <a:r>
-            <a:rPr lang="pt-BR" sz="2400" kern="1200" dirty="0" smtClean="0">
-              <a:solidFill>
-                <a:sysClr val="windowText" lastClr="000000">
-                  <a:hueOff val="0"/>
-                  <a:satOff val="0"/>
-                  <a:lumOff val="0"/>
-                  <a:alphaOff val="0"/>
-                </a:sysClr>
-              </a:solidFill>
-              <a:latin typeface="Gill Sans MT"/>
-              <a:ea typeface="+mn-ea"/>
-              <a:cs typeface="+mn-cs"/>
-            </a:rPr>
-            <a:t>Tecnologias Utilizadas</a:t>
-          </a:r>
-          <a:endParaRPr lang="pt-BR" sz="2400" kern="1200" dirty="0">
-            <a:solidFill>
-              <a:sysClr val="windowText" lastClr="000000">
-                <a:hueOff val="0"/>
-                <a:satOff val="0"/>
-                <a:lumOff val="0"/>
-                <a:alphaOff val="0"/>
-              </a:sysClr>
-            </a:solidFill>
-            <a:latin typeface="Gill Sans MT"/>
-            <a:ea typeface="+mn-ea"/>
-            <a:cs typeface="+mn-cs"/>
-          </a:endParaRPr>
-        </a:p>
-      </dsp:txBody>
-      <dsp:txXfrm>
-        <a:off x="3351413" y="618910"/>
-        <a:ext cx="4355833" cy="418362"/>
-      </dsp:txXfrm>
-    </dsp:sp>
   </dsp:spTree>
 </dsp:drawing>
 </file>
@@ -19588,255 +17050,6 @@
       <dsp:cNvGrpSpPr/>
     </dsp:nvGrpSpPr>
     <dsp:grpSpPr/>
-    <dsp:sp modelId="{3BDA1A5A-6E70-42FF-9B96-2A768E2D3835}">
-      <dsp:nvSpPr>
-        <dsp:cNvPr id="0" name=""/>
-        <dsp:cNvSpPr/>
-      </dsp:nvSpPr>
-      <dsp:spPr>
-        <a:xfrm>
-          <a:off x="4452" y="576065"/>
-          <a:ext cx="3783362" cy="504051"/>
-        </a:xfrm>
-        <a:prstGeom prst="chevron">
-          <a:avLst/>
-        </a:prstGeom>
-        <a:gradFill flip="none" rotWithShape="0">
-          <a:gsLst>
-            <a:gs pos="0">
-              <a:schemeClr val="accent1">
-                <a:shade val="30000"/>
-                <a:satMod val="115000"/>
-              </a:schemeClr>
-            </a:gs>
-            <a:gs pos="50000">
-              <a:schemeClr val="accent1">
-                <a:shade val="67500"/>
-                <a:satMod val="115000"/>
-              </a:schemeClr>
-            </a:gs>
-            <a:gs pos="100000">
-              <a:schemeClr val="accent1">
-                <a:shade val="100000"/>
-                <a:satMod val="115000"/>
-              </a:schemeClr>
-            </a:gs>
-          </a:gsLst>
-          <a:lin ang="5400000" scaled="1"/>
-          <a:tileRect/>
-        </a:gradFill>
-        <a:ln w="12700" cap="flat" cmpd="sng" algn="ctr">
-          <a:solidFill>
-            <a:sysClr val="window" lastClr="FFFFFF">
-              <a:hueOff val="0"/>
-              <a:satOff val="0"/>
-              <a:lumOff val="0"/>
-              <a:alphaOff val="0"/>
-            </a:sysClr>
-          </a:solidFill>
-          <a:prstDash val="solid"/>
-        </a:ln>
-        <a:effectLst/>
-      </dsp:spPr>
-      <dsp:style>
-        <a:lnRef idx="2">
-          <a:scrgbClr r="0" g="0" b="0"/>
-        </a:lnRef>
-        <a:fillRef idx="1">
-          <a:scrgbClr r="0" g="0" b="0"/>
-        </a:fillRef>
-        <a:effectRef idx="0">
-          <a:scrgbClr r="0" g="0" b="0"/>
-        </a:effectRef>
-        <a:fontRef idx="minor">
-          <a:schemeClr val="lt1"/>
-        </a:fontRef>
-      </dsp:style>
-      <dsp:txBody>
-        <a:bodyPr spcFirstLastPara="0" vert="horz" wrap="square" lIns="30480" tIns="15240" rIns="0" bIns="15240" numCol="1" spcCol="1270" anchor="ctr" anchorCtr="0">
-          <a:noAutofit/>
-          <a:scene3d>
-            <a:camera prst="orthographicFront"/>
-            <a:lightRig rig="soft" dir="tl">
-              <a:rot lat="0" lon="0" rev="0"/>
-            </a:lightRig>
-          </a:scene3d>
-          <a:sp3d contourW="25400" prstMaterial="matte">
-            <a:contourClr>
-              <a:schemeClr val="accent2">
-                <a:tint val="20000"/>
-              </a:schemeClr>
-            </a:contourClr>
-          </a:sp3d>
-        </a:bodyPr>
-        <a:lstStyle/>
-        <a:p>
-          <a:pPr lvl="0" algn="ctr" defTabSz="1066800">
-            <a:lnSpc>
-              <a:spcPct val="90000"/>
-            </a:lnSpc>
-            <a:spcBef>
-              <a:spcPct val="0"/>
-            </a:spcBef>
-            <a:spcAft>
-              <a:spcPct val="35000"/>
-            </a:spcAft>
-          </a:pPr>
-          <a:r>
-            <a:rPr lang="pt-BR" sz="2400" b="0" kern="1200" cap="none" spc="0" dirty="0" smtClean="0">
-              <a:ln w="18415" cmpd="sng">
-                <a:solidFill>
-                  <a:sysClr val="window" lastClr="FFFFFF"/>
-                </a:solidFill>
-                <a:prstDash val="solid"/>
-              </a:ln>
-              <a:solidFill>
-                <a:sysClr val="window" lastClr="FFFFFF"/>
-              </a:solidFill>
-              <a:effectLst>
-                <a:outerShdw blurRad="63500" dir="3600000" algn="tl" rotWithShape="0">
-                  <a:srgbClr val="000000">
-                    <a:alpha val="70000"/>
-                  </a:srgbClr>
-                </a:outerShdw>
-              </a:effectLst>
-              <a:latin typeface="Gill Sans MT"/>
-              <a:ea typeface="+mn-ea"/>
-              <a:cs typeface="+mn-cs"/>
-            </a:rPr>
-            <a:t>3 - Desenvolvimento</a:t>
-          </a:r>
-          <a:endParaRPr lang="pt-BR" sz="2400" b="0" kern="1200" cap="none" spc="0" dirty="0">
-            <a:ln w="18415" cmpd="sng">
-              <a:solidFill>
-                <a:sysClr val="window" lastClr="FFFFFF"/>
-              </a:solidFill>
-              <a:prstDash val="solid"/>
-            </a:ln>
-            <a:solidFill>
-              <a:sysClr val="window" lastClr="FFFFFF"/>
-            </a:solidFill>
-            <a:effectLst>
-              <a:outerShdw blurRad="63500" dir="3600000" algn="tl" rotWithShape="0">
-                <a:srgbClr val="000000">
-                  <a:alpha val="70000"/>
-                </a:srgbClr>
-              </a:outerShdw>
-            </a:effectLst>
-            <a:latin typeface="Gill Sans MT"/>
-            <a:ea typeface="+mn-ea"/>
-            <a:cs typeface="+mn-cs"/>
-          </a:endParaRPr>
-        </a:p>
-      </dsp:txBody>
-      <dsp:txXfrm>
-        <a:off x="256478" y="576065"/>
-        <a:ext cx="3279311" cy="504051"/>
-      </dsp:txXfrm>
-    </dsp:sp>
-    <dsp:sp modelId="{DCBC4AA7-5B34-4058-8DCE-45073067BFBC}">
-      <dsp:nvSpPr>
-        <dsp:cNvPr id="0" name=""/>
-        <dsp:cNvSpPr/>
-      </dsp:nvSpPr>
-      <dsp:spPr>
-        <a:xfrm>
-          <a:off x="3142232" y="618910"/>
-          <a:ext cx="4774195" cy="418362"/>
-        </a:xfrm>
-        <a:prstGeom prst="chevron">
-          <a:avLst/>
-        </a:prstGeom>
-        <a:solidFill>
-          <a:srgbClr val="4E67C8">
-            <a:alpha val="90000"/>
-            <a:tint val="40000"/>
-            <a:hueOff val="0"/>
-            <a:satOff val="0"/>
-            <a:lumOff val="0"/>
-            <a:alphaOff val="0"/>
-          </a:srgbClr>
-        </a:solidFill>
-        <a:ln w="12700" cap="flat" cmpd="sng" algn="ctr">
-          <a:solidFill>
-            <a:srgbClr val="4E67C8">
-              <a:alpha val="90000"/>
-              <a:tint val="40000"/>
-              <a:hueOff val="0"/>
-              <a:satOff val="0"/>
-              <a:lumOff val="0"/>
-              <a:alphaOff val="0"/>
-            </a:srgbClr>
-          </a:solidFill>
-          <a:prstDash val="solid"/>
-        </a:ln>
-        <a:effectLst/>
-      </dsp:spPr>
-      <dsp:style>
-        <a:lnRef idx="2">
-          <a:scrgbClr r="0" g="0" b="0"/>
-        </a:lnRef>
-        <a:fillRef idx="1">
-          <a:scrgbClr r="0" g="0" b="0"/>
-        </a:fillRef>
-        <a:effectRef idx="0">
-          <a:scrgbClr r="0" g="0" b="0"/>
-        </a:effectRef>
-        <a:fontRef idx="minor"/>
-      </dsp:style>
-      <dsp:txBody>
-        <a:bodyPr spcFirstLastPara="0" vert="horz" wrap="square" lIns="30480" tIns="15240" rIns="0" bIns="15240" numCol="1" spcCol="1270" anchor="ctr" anchorCtr="0">
-          <a:noAutofit/>
-        </a:bodyPr>
-        <a:lstStyle/>
-        <a:p>
-          <a:pPr lvl="0" algn="ctr" defTabSz="1066800">
-            <a:lnSpc>
-              <a:spcPct val="90000"/>
-            </a:lnSpc>
-            <a:spcBef>
-              <a:spcPct val="0"/>
-            </a:spcBef>
-            <a:spcAft>
-              <a:spcPct val="35000"/>
-            </a:spcAft>
-          </a:pPr>
-          <a:r>
-            <a:rPr lang="pt-BR" sz="2400" kern="1200" dirty="0" smtClean="0">
-              <a:solidFill>
-                <a:sysClr val="windowText" lastClr="000000">
-                  <a:hueOff val="0"/>
-                  <a:satOff val="0"/>
-                  <a:lumOff val="0"/>
-                  <a:alphaOff val="0"/>
-                </a:sysClr>
-              </a:solidFill>
-              <a:latin typeface="Gill Sans MT"/>
-              <a:ea typeface="+mn-ea"/>
-              <a:cs typeface="+mn-cs"/>
-            </a:rPr>
-            <a:t>Módulos da Aplicação</a:t>
-          </a:r>
-          <a:endParaRPr lang="pt-BR" sz="2400" kern="1200" dirty="0">
-            <a:solidFill>
-              <a:sysClr val="windowText" lastClr="000000">
-                <a:hueOff val="0"/>
-                <a:satOff val="0"/>
-                <a:lumOff val="0"/>
-                <a:alphaOff val="0"/>
-              </a:sysClr>
-            </a:solidFill>
-            <a:latin typeface="Gill Sans MT"/>
-            <a:ea typeface="+mn-ea"/>
-            <a:cs typeface="+mn-cs"/>
-          </a:endParaRPr>
-        </a:p>
-      </dsp:txBody>
-      <dsp:txXfrm>
-        <a:off x="3351413" y="618910"/>
-        <a:ext cx="4355833" cy="418362"/>
-      </dsp:txXfrm>
-    </dsp:sp>
   </dsp:spTree>
 </dsp:drawing>
 </file>
@@ -19849,271 +17062,6 @@
       <dsp:cNvGrpSpPr/>
     </dsp:nvGrpSpPr>
     <dsp:grpSpPr/>
-    <dsp:sp modelId="{3BDA1A5A-6E70-42FF-9B96-2A768E2D3835}">
-      <dsp:nvSpPr>
-        <dsp:cNvPr id="0" name=""/>
-        <dsp:cNvSpPr/>
-      </dsp:nvSpPr>
-      <dsp:spPr>
-        <a:xfrm>
-          <a:off x="4452" y="576065"/>
-          <a:ext cx="3783362" cy="504051"/>
-        </a:xfrm>
-        <a:prstGeom prst="chevron">
-          <a:avLst/>
-        </a:prstGeom>
-        <a:gradFill flip="none" rotWithShape="0">
-          <a:gsLst>
-            <a:gs pos="0">
-              <a:schemeClr val="accent1">
-                <a:shade val="30000"/>
-                <a:satMod val="115000"/>
-              </a:schemeClr>
-            </a:gs>
-            <a:gs pos="50000">
-              <a:schemeClr val="accent1">
-                <a:shade val="67500"/>
-                <a:satMod val="115000"/>
-              </a:schemeClr>
-            </a:gs>
-            <a:gs pos="100000">
-              <a:schemeClr val="accent1">
-                <a:shade val="100000"/>
-                <a:satMod val="115000"/>
-              </a:schemeClr>
-            </a:gs>
-          </a:gsLst>
-          <a:lin ang="5400000" scaled="1"/>
-          <a:tileRect/>
-        </a:gradFill>
-        <a:ln w="12700" cap="flat" cmpd="sng" algn="ctr">
-          <a:solidFill>
-            <a:sysClr val="window" lastClr="FFFFFF">
-              <a:hueOff val="0"/>
-              <a:satOff val="0"/>
-              <a:lumOff val="0"/>
-              <a:alphaOff val="0"/>
-            </a:sysClr>
-          </a:solidFill>
-          <a:prstDash val="solid"/>
-        </a:ln>
-        <a:effectLst/>
-      </dsp:spPr>
-      <dsp:style>
-        <a:lnRef idx="2">
-          <a:scrgbClr r="0" g="0" b="0"/>
-        </a:lnRef>
-        <a:fillRef idx="1">
-          <a:scrgbClr r="0" g="0" b="0"/>
-        </a:fillRef>
-        <a:effectRef idx="0">
-          <a:scrgbClr r="0" g="0" b="0"/>
-        </a:effectRef>
-        <a:fontRef idx="minor">
-          <a:schemeClr val="lt1"/>
-        </a:fontRef>
-      </dsp:style>
-      <dsp:txBody>
-        <a:bodyPr spcFirstLastPara="0" vert="horz" wrap="square" lIns="30480" tIns="15240" rIns="0" bIns="15240" numCol="1" spcCol="1270" anchor="ctr" anchorCtr="0">
-          <a:noAutofit/>
-          <a:scene3d>
-            <a:camera prst="orthographicFront"/>
-            <a:lightRig rig="soft" dir="tl">
-              <a:rot lat="0" lon="0" rev="0"/>
-            </a:lightRig>
-          </a:scene3d>
-          <a:sp3d contourW="25400" prstMaterial="matte">
-            <a:contourClr>
-              <a:schemeClr val="accent2">
-                <a:tint val="20000"/>
-              </a:schemeClr>
-            </a:contourClr>
-          </a:sp3d>
-        </a:bodyPr>
-        <a:lstStyle/>
-        <a:p>
-          <a:pPr lvl="0" algn="ctr" defTabSz="1066800">
-            <a:lnSpc>
-              <a:spcPct val="90000"/>
-            </a:lnSpc>
-            <a:spcBef>
-              <a:spcPct val="0"/>
-            </a:spcBef>
-            <a:spcAft>
-              <a:spcPct val="35000"/>
-            </a:spcAft>
-          </a:pPr>
-          <a:r>
-            <a:rPr lang="pt-BR" sz="2400" b="0" kern="1200" cap="none" spc="0" dirty="0" smtClean="0">
-              <a:ln w="18415" cmpd="sng">
-                <a:solidFill>
-                  <a:sysClr val="window" lastClr="FFFFFF"/>
-                </a:solidFill>
-                <a:prstDash val="solid"/>
-              </a:ln>
-              <a:solidFill>
-                <a:sysClr val="window" lastClr="FFFFFF"/>
-              </a:solidFill>
-              <a:effectLst>
-                <a:outerShdw blurRad="63500" dir="3600000" algn="tl" rotWithShape="0">
-                  <a:srgbClr val="000000">
-                    <a:alpha val="70000"/>
-                  </a:srgbClr>
-                </a:outerShdw>
-              </a:effectLst>
-              <a:latin typeface="Gill Sans MT"/>
-              <a:ea typeface="+mn-ea"/>
-              <a:cs typeface="+mn-cs"/>
-            </a:rPr>
-            <a:t>3 - Desenvolvimento</a:t>
-          </a:r>
-          <a:endParaRPr lang="pt-BR" sz="2400" b="0" kern="1200" cap="none" spc="0" dirty="0">
-            <a:ln w="18415" cmpd="sng">
-              <a:solidFill>
-                <a:sysClr val="window" lastClr="FFFFFF"/>
-              </a:solidFill>
-              <a:prstDash val="solid"/>
-            </a:ln>
-            <a:solidFill>
-              <a:sysClr val="window" lastClr="FFFFFF"/>
-            </a:solidFill>
-            <a:effectLst>
-              <a:outerShdw blurRad="63500" dir="3600000" algn="tl" rotWithShape="0">
-                <a:srgbClr val="000000">
-                  <a:alpha val="70000"/>
-                </a:srgbClr>
-              </a:outerShdw>
-            </a:effectLst>
-            <a:latin typeface="Gill Sans MT"/>
-            <a:ea typeface="+mn-ea"/>
-            <a:cs typeface="+mn-cs"/>
-          </a:endParaRPr>
-        </a:p>
-      </dsp:txBody>
-      <dsp:txXfrm>
-        <a:off x="256478" y="576065"/>
-        <a:ext cx="3279311" cy="504051"/>
-      </dsp:txXfrm>
-    </dsp:sp>
-    <dsp:sp modelId="{DCBC4AA7-5B34-4058-8DCE-45073067BFBC}">
-      <dsp:nvSpPr>
-        <dsp:cNvPr id="0" name=""/>
-        <dsp:cNvSpPr/>
-      </dsp:nvSpPr>
-      <dsp:spPr>
-        <a:xfrm>
-          <a:off x="3142232" y="618910"/>
-          <a:ext cx="4774195" cy="418362"/>
-        </a:xfrm>
-        <a:prstGeom prst="chevron">
-          <a:avLst/>
-        </a:prstGeom>
-        <a:solidFill>
-          <a:srgbClr val="4E67C8">
-            <a:alpha val="90000"/>
-            <a:tint val="40000"/>
-            <a:hueOff val="0"/>
-            <a:satOff val="0"/>
-            <a:lumOff val="0"/>
-            <a:alphaOff val="0"/>
-          </a:srgbClr>
-        </a:solidFill>
-        <a:ln w="12700" cap="flat" cmpd="sng" algn="ctr">
-          <a:solidFill>
-            <a:srgbClr val="4E67C8">
-              <a:alpha val="90000"/>
-              <a:tint val="40000"/>
-              <a:hueOff val="0"/>
-              <a:satOff val="0"/>
-              <a:lumOff val="0"/>
-              <a:alphaOff val="0"/>
-            </a:srgbClr>
-          </a:solidFill>
-          <a:prstDash val="solid"/>
-        </a:ln>
-        <a:effectLst/>
-      </dsp:spPr>
-      <dsp:style>
-        <a:lnRef idx="2">
-          <a:scrgbClr r="0" g="0" b="0"/>
-        </a:lnRef>
-        <a:fillRef idx="1">
-          <a:scrgbClr r="0" g="0" b="0"/>
-        </a:fillRef>
-        <a:effectRef idx="0">
-          <a:scrgbClr r="0" g="0" b="0"/>
-        </a:effectRef>
-        <a:fontRef idx="minor"/>
-      </dsp:style>
-      <dsp:txBody>
-        <a:bodyPr spcFirstLastPara="0" vert="horz" wrap="square" lIns="30480" tIns="15240" rIns="0" bIns="15240" numCol="1" spcCol="1270" anchor="ctr" anchorCtr="0">
-          <a:noAutofit/>
-        </a:bodyPr>
-        <a:lstStyle/>
-        <a:p>
-          <a:pPr lvl="0" algn="ctr" defTabSz="1066800">
-            <a:lnSpc>
-              <a:spcPct val="90000"/>
-            </a:lnSpc>
-            <a:spcBef>
-              <a:spcPct val="0"/>
-            </a:spcBef>
-            <a:spcAft>
-              <a:spcPct val="35000"/>
-            </a:spcAft>
-          </a:pPr>
-          <a:r>
-            <a:rPr lang="pt-BR" sz="2400" kern="1200" dirty="0" smtClean="0">
-              <a:solidFill>
-                <a:sysClr val="windowText" lastClr="000000">
-                  <a:hueOff val="0"/>
-                  <a:satOff val="0"/>
-                  <a:lumOff val="0"/>
-                  <a:alphaOff val="0"/>
-                </a:sysClr>
-              </a:solidFill>
-              <a:latin typeface="Gill Sans MT"/>
-              <a:ea typeface="+mn-ea"/>
-              <a:cs typeface="+mn-cs"/>
-            </a:rPr>
-            <a:t>Módulo </a:t>
-          </a:r>
-          <a:r>
-            <a:rPr lang="pt-BR" sz="2400" kern="1200" dirty="0" err="1" smtClean="0">
-              <a:solidFill>
-                <a:sysClr val="windowText" lastClr="000000">
-                  <a:hueOff val="0"/>
-                  <a:satOff val="0"/>
-                  <a:lumOff val="0"/>
-                  <a:alphaOff val="0"/>
-                </a:sysClr>
-              </a:solidFill>
-              <a:latin typeface="Gill Sans MT"/>
-              <a:ea typeface="+mn-ea"/>
-              <a:cs typeface="+mn-cs"/>
-            </a:rPr>
-            <a:t>DnsSdHelper</a:t>
-          </a:r>
-          <a:endParaRPr lang="pt-BR" sz="2400" kern="1200" dirty="0">
-            <a:solidFill>
-              <a:sysClr val="windowText" lastClr="000000">
-                <a:hueOff val="0"/>
-                <a:satOff val="0"/>
-                <a:lumOff val="0"/>
-                <a:alphaOff val="0"/>
-              </a:sysClr>
-            </a:solidFill>
-            <a:latin typeface="Gill Sans MT"/>
-            <a:ea typeface="+mn-ea"/>
-            <a:cs typeface="+mn-cs"/>
-          </a:endParaRPr>
-        </a:p>
-      </dsp:txBody>
-      <dsp:txXfrm>
-        <a:off x="3351413" y="618910"/>
-        <a:ext cx="4355833" cy="418362"/>
-      </dsp:txXfrm>
-    </dsp:sp>
   </dsp:spTree>
 </dsp:drawing>
 </file>
@@ -41581,11 +38529,7 @@
           <a:p>
             <a:r>
               <a:rPr lang="pt-BR" baseline="0" dirty="0" smtClean="0"/>
-              <a:t>1 </a:t>
-            </a:r>
-            <a:r>
-              <a:rPr lang="pt-BR" baseline="0" dirty="0" smtClean="0"/>
-              <a:t>– ”Nós” entram e saem todo momento, gerando a necessidade de uma tecnologia eficiente de descoberta de serviços.</a:t>
+              <a:t>1 – ”Nós” entram e saem todo momento, gerando a necessidade de uma tecnologia eficiente de descoberta de serviços.</a:t>
             </a:r>
           </a:p>
           <a:p>
@@ -47224,13 +44168,13 @@
           <a:p>
             <a:pPr algn="ctr"/>
             <a:r>
-              <a:rPr lang="pt-BR" dirty="0">
+              <a:rPr lang="pt-BR" smtClean="0">
                 <a:solidFill>
                   <a:prstClr val="black"/>
                 </a:solidFill>
                 <a:latin typeface="Gill Sans MT"/>
               </a:rPr>
-              <a:t>Orientador:  </a:t>
+              <a:t>Orientadora:  </a:t>
             </a:r>
             <a:r>
               <a:rPr lang="pt-BR" dirty="0" smtClean="0">
